--- a/JPP6-JCR/Day-2.pptx
+++ b/JPP6-JCR/Day-2.pptx
@@ -13178,161 +13178,14 @@
               <a:buSzPct val="25000"/>
             </a:pPr>
             <a:r>
-              <a:rPr lang="pt-BR" sz="1400" b="1" dirty="0" err="1">
-                <a:latin typeface="Monaco"/>
-                <a:cs typeface="Monaco"/>
-              </a:rPr>
-              <a:t>package</a:t>
-            </a:r>
-            <a:r>
-              <a:rPr lang="pt-BR" sz="1400" b="1" dirty="0">
-                <a:latin typeface="Monaco"/>
-                <a:cs typeface="Monaco"/>
-              </a:rPr>
-              <a:t> </a:t>
-            </a:r>
-            <a:r>
-              <a:rPr lang="pt-BR" sz="1400" b="1" dirty="0" err="1">
-                <a:latin typeface="Monaco"/>
-                <a:cs typeface="Monaco"/>
-              </a:rPr>
-              <a:t>org.exoplatform.services.database.impl</a:t>
-            </a:r>
-            <a:r>
-              <a:rPr lang="pt-BR" sz="1400" b="1" dirty="0">
-                <a:latin typeface="Monaco"/>
-                <a:cs typeface="Monaco"/>
-              </a:rPr>
-              <a:t>;</a:t>
-            </a:r>
-          </a:p>
-          <a:p>
-            <a:pPr>
-              <a:lnSpc>
-                <a:spcPct val="100000"/>
-              </a:lnSpc>
-              <a:buSzPct val="25000"/>
-            </a:pPr>
-            <a:endParaRPr lang="pt-BR" sz="1400" b="1" dirty="0">
-              <a:latin typeface="Monaco"/>
-              <a:cs typeface="Monaco"/>
-            </a:endParaRPr>
-          </a:p>
-          <a:p>
-            <a:pPr>
-              <a:lnSpc>
-                <a:spcPct val="100000"/>
-              </a:lnSpc>
-              <a:buSzPct val="25000"/>
-            </a:pPr>
-            <a:r>
-              <a:rPr lang="pt-BR" sz="1400" b="1" dirty="0" err="1">
+              <a:rPr lang="pt-BR" sz="1400" b="1" dirty="0" err="1" smtClean="0">
                 <a:latin typeface="Monaco"/>
                 <a:cs typeface="Monaco"/>
               </a:rPr>
               <a:t>public</a:t>
             </a:r>
             <a:r>
-              <a:rPr lang="pt-BR" sz="1400" b="1" dirty="0">
-                <a:latin typeface="Monaco"/>
-                <a:cs typeface="Monaco"/>
-              </a:rPr>
-              <a:t> </a:t>
-            </a:r>
-            <a:r>
-              <a:rPr lang="pt-BR" sz="1400" b="1" dirty="0" err="1">
-                <a:latin typeface="Monaco"/>
-                <a:cs typeface="Monaco"/>
-              </a:rPr>
-              <a:t>class</a:t>
-            </a:r>
-            <a:r>
-              <a:rPr lang="pt-BR" sz="1400" b="1" dirty="0">
-                <a:latin typeface="Monaco"/>
-                <a:cs typeface="Monaco"/>
-              </a:rPr>
-              <a:t> </a:t>
-            </a:r>
-            <a:r>
-              <a:rPr lang="pt-BR" sz="1400" b="1" dirty="0" err="1">
-                <a:latin typeface="Monaco"/>
-                <a:cs typeface="Monaco"/>
-              </a:rPr>
-              <a:t>HibernateServiceImpl</a:t>
-            </a:r>
-            <a:r>
-              <a:rPr lang="pt-BR" sz="1400" b="1" dirty="0">
-                <a:latin typeface="Monaco"/>
-                <a:cs typeface="Monaco"/>
-              </a:rPr>
-              <a:t> </a:t>
-            </a:r>
-            <a:r>
-              <a:rPr lang="pt-BR" sz="1400" b="1" dirty="0" err="1">
-                <a:latin typeface="Monaco"/>
-                <a:cs typeface="Monaco"/>
-              </a:rPr>
-              <a:t>implements</a:t>
-            </a:r>
-            <a:r>
-              <a:rPr lang="pt-BR" sz="1400" b="1" dirty="0">
-                <a:latin typeface="Monaco"/>
-                <a:cs typeface="Monaco"/>
-              </a:rPr>
-              <a:t> </a:t>
-            </a:r>
-            <a:r>
-              <a:rPr lang="pt-BR" sz="1400" b="1" dirty="0" err="1">
-                <a:latin typeface="Monaco"/>
-                <a:cs typeface="Monaco"/>
-              </a:rPr>
-              <a:t>HibernateService</a:t>
-            </a:r>
-            <a:r>
-              <a:rPr lang="pt-BR" sz="1400" b="1" dirty="0">
-                <a:latin typeface="Monaco"/>
-                <a:cs typeface="Monaco"/>
-              </a:rPr>
-              <a:t>, </a:t>
-            </a:r>
-            <a:r>
-              <a:rPr lang="pt-BR" sz="1400" b="1" dirty="0" err="1">
-                <a:latin typeface="Monaco"/>
-                <a:cs typeface="Monaco"/>
-              </a:rPr>
-              <a:t>ComponentRequestLifecycle</a:t>
-            </a:r>
-            <a:r>
-              <a:rPr lang="pt-BR" sz="1400" b="1" dirty="0">
-                <a:latin typeface="Monaco"/>
-                <a:cs typeface="Monaco"/>
-              </a:rPr>
-              <a:t> {</a:t>
-            </a:r>
-          </a:p>
-          <a:p>
-            <a:pPr>
-              <a:lnSpc>
-                <a:spcPct val="100000"/>
-              </a:lnSpc>
-              <a:buSzPct val="25000"/>
-            </a:pPr>
-            <a:r>
-              <a:rPr lang="pt-BR" sz="1400" b="1" dirty="0">
-                <a:latin typeface="Monaco"/>
-                <a:cs typeface="Monaco"/>
-              </a:rPr>
-              <a:t>  </a:t>
-            </a:r>
-            <a:r>
-              <a:rPr lang="pt-BR" sz="1400" b="1" dirty="0" err="1">
-                <a:latin typeface="Monaco"/>
-                <a:cs typeface="Monaco"/>
-              </a:rPr>
-              <a:t>public</a:t>
-            </a:r>
-            <a:r>
-              <a:rPr lang="pt-BR" sz="1400" b="1" dirty="0">
+              <a:rPr lang="pt-BR" sz="1400" b="1" dirty="0" smtClean="0">
                 <a:latin typeface="Monaco"/>
                 <a:cs typeface="Monaco"/>
               </a:rPr>
@@ -14687,35 +14540,206 @@
               <a:buSzPct val="25000"/>
             </a:pPr>
             <a:r>
+              <a:rPr lang="en-US" sz="1400" b="1" dirty="0" smtClean="0">
+                <a:latin typeface="Monaco"/>
+                <a:cs typeface="Monaco"/>
+              </a:rPr>
+              <a:t>public </a:t>
+            </a:r>
+            <a:r>
+              <a:rPr lang="en-US" sz="1400" b="1" dirty="0" err="1">
+                <a:latin typeface="Monaco"/>
+                <a:cs typeface="Monaco"/>
+              </a:rPr>
+              <a:t>LDAPServiceImpl</a:t>
+            </a:r>
+            <a:r>
               <a:rPr lang="en-US" sz="1400" b="1" dirty="0">
                 <a:latin typeface="Monaco"/>
                 <a:cs typeface="Monaco"/>
               </a:rPr>
-              <a:t>package </a:t>
+              <a:t>(</a:t>
             </a:r>
             <a:r>
               <a:rPr lang="en-US" sz="1400" b="1" dirty="0" err="1">
                 <a:latin typeface="Monaco"/>
                 <a:cs typeface="Monaco"/>
               </a:rPr>
-              <a:t>org.exoplatform.services.ldap.impl</a:t>
+              <a:t>InitParams</a:t>
             </a:r>
             <a:r>
               <a:rPr lang="en-US" sz="1400" b="1" dirty="0">
                 <a:latin typeface="Monaco"/>
                 <a:cs typeface="Monaco"/>
               </a:rPr>
-              <a:t>;</a:t>
-            </a:r>
-          </a:p>
-          <a:p>
-            <a:pPr>
-              <a:lnSpc>
-                <a:spcPct val="100000"/>
-              </a:lnSpc>
-              <a:buSzPct val="25000"/>
-            </a:pPr>
-            <a:endParaRPr lang="en-US" sz="1400" b="1" dirty="0">
+              <a:t> </a:t>
+            </a:r>
+            <a:r>
+              <a:rPr lang="en-US" sz="1400" b="1" dirty="0" err="1">
+                <a:latin typeface="Monaco"/>
+                <a:cs typeface="Monaco"/>
+              </a:rPr>
+              <a:t>params</a:t>
+            </a:r>
+            <a:r>
+              <a:rPr lang="en-US" sz="1400" b="1" dirty="0">
+                <a:latin typeface="Monaco"/>
+                <a:cs typeface="Monaco"/>
+              </a:rPr>
+              <a:t>) {</a:t>
+            </a:r>
+          </a:p>
+          <a:p>
+            <a:pPr>
+              <a:lnSpc>
+                <a:spcPct val="100000"/>
+              </a:lnSpc>
+              <a:buSzPct val="25000"/>
+            </a:pPr>
+            <a:r>
+              <a:rPr lang="en-US" sz="1400" b="1" dirty="0">
+                <a:latin typeface="Monaco"/>
+                <a:cs typeface="Monaco"/>
+              </a:rPr>
+              <a:t>    </a:t>
+            </a:r>
+            <a:r>
+              <a:rPr lang="en-US" sz="1400" b="1" dirty="0" err="1">
+                <a:latin typeface="Monaco"/>
+                <a:cs typeface="Monaco"/>
+              </a:rPr>
+              <a:t>LDAPConnectionConfig</a:t>
+            </a:r>
+            <a:r>
+              <a:rPr lang="en-US" sz="1400" b="1" dirty="0">
+                <a:latin typeface="Monaco"/>
+                <a:cs typeface="Monaco"/>
+              </a:rPr>
+              <a:t> </a:t>
+            </a:r>
+            <a:r>
+              <a:rPr lang="en-US" sz="1400" b="1" dirty="0" err="1">
+                <a:latin typeface="Monaco"/>
+                <a:cs typeface="Monaco"/>
+              </a:rPr>
+              <a:t>config</a:t>
+            </a:r>
+            <a:r>
+              <a:rPr lang="en-US" sz="1400" b="1" dirty="0">
+                <a:latin typeface="Monaco"/>
+                <a:cs typeface="Monaco"/>
+              </a:rPr>
+              <a:t> = (</a:t>
+            </a:r>
+            <a:r>
+              <a:rPr lang="en-US" sz="1400" b="1" dirty="0" err="1">
+                <a:latin typeface="Monaco"/>
+                <a:cs typeface="Monaco"/>
+              </a:rPr>
+              <a:t>LDAPConnectionConfig</a:t>
+            </a:r>
+            <a:r>
+              <a:rPr lang="en-US" sz="1400" b="1" dirty="0">
+                <a:latin typeface="Monaco"/>
+                <a:cs typeface="Monaco"/>
+              </a:rPr>
+              <a:t>) </a:t>
+            </a:r>
+            <a:r>
+              <a:rPr lang="en-US" sz="1400" b="1" dirty="0" err="1">
+                <a:latin typeface="Monaco"/>
+                <a:cs typeface="Monaco"/>
+              </a:rPr>
+              <a:t>params.getObjectParam</a:t>
+            </a:r>
+            <a:r>
+              <a:rPr lang="en-US" sz="1400" b="1" dirty="0">
+                <a:latin typeface="Monaco"/>
+                <a:cs typeface="Monaco"/>
+              </a:rPr>
+              <a:t>("</a:t>
+            </a:r>
+            <a:r>
+              <a:rPr lang="en-US" sz="1400" b="1" dirty="0" err="1">
+                <a:latin typeface="Monaco"/>
+                <a:cs typeface="Monaco"/>
+              </a:rPr>
+              <a:t>ldap.config</a:t>
+            </a:r>
+            <a:r>
+              <a:rPr lang="en-US" sz="1400" b="1" dirty="0">
+                <a:latin typeface="Monaco"/>
+                <a:cs typeface="Monaco"/>
+              </a:rPr>
+              <a:t>")</a:t>
+            </a:r>
+          </a:p>
+          <a:p>
+            <a:pPr>
+              <a:lnSpc>
+                <a:spcPct val="100000"/>
+              </a:lnSpc>
+              <a:buSzPct val="25000"/>
+            </a:pPr>
+            <a:r>
+              <a:rPr lang="en-US" sz="1400" b="1" dirty="0">
+                <a:latin typeface="Monaco"/>
+                <a:cs typeface="Monaco"/>
+              </a:rPr>
+              <a:t>                                                               .</a:t>
+            </a:r>
+            <a:r>
+              <a:rPr lang="en-US" sz="1400" b="1" dirty="0" err="1">
+                <a:latin typeface="Monaco"/>
+                <a:cs typeface="Monaco"/>
+              </a:rPr>
+              <a:t>getObject</a:t>
+            </a:r>
+            <a:r>
+              <a:rPr lang="en-US" sz="1400" b="1" dirty="0">
+                <a:latin typeface="Monaco"/>
+                <a:cs typeface="Monaco"/>
+              </a:rPr>
+              <a:t>();</a:t>
+            </a:r>
+          </a:p>
+          <a:p>
+            <a:pPr>
+              <a:lnSpc>
+                <a:spcPct val="100000"/>
+              </a:lnSpc>
+              <a:buSzPct val="25000"/>
+            </a:pPr>
+            <a:r>
+              <a:rPr lang="en-US" sz="1400" b="1" dirty="0">
+                <a:latin typeface="Monaco"/>
+                <a:cs typeface="Monaco"/>
+              </a:rPr>
+              <a:t>...</a:t>
+            </a:r>
+            <a:r>
+              <a:rPr lang="pt-BR" sz="1400" b="1" dirty="0" smtClean="0">
+                <a:latin typeface="Monaco"/>
+                <a:cs typeface="Monaco"/>
+              </a:rPr>
+              <a:t>...</a:t>
+            </a:r>
+            <a:r>
+              <a:rPr lang="hu-HU" sz="1400" b="1" dirty="0" smtClean="0">
+                <a:latin typeface="Monaco"/>
+                <a:cs typeface="Monaco"/>
+              </a:rPr>
+              <a:t>...</a:t>
+            </a:r>
+          </a:p>
+          <a:p>
+            <a:pPr>
+              <a:lnSpc>
+                <a:spcPct val="100000"/>
+              </a:lnSpc>
+              <a:buSzPct val="25000"/>
+            </a:pPr>
+            <a:endParaRPr lang="en-US" sz="1400" b="1" dirty="0" smtClean="0">
               <a:latin typeface="Monaco"/>
               <a:cs typeface="Monaco"/>
             </a:endParaRPr>
@@ -14728,310 +14752,18 @@
               <a:buSzPct val="25000"/>
             </a:pPr>
             <a:r>
+              <a:rPr lang="en-US" sz="1400" b="1" dirty="0" smtClean="0">
+                <a:latin typeface="Monaco"/>
+                <a:cs typeface="Monaco"/>
+              </a:rPr>
+              <a:t>public </a:t>
+            </a:r>
+            <a:r>
               <a:rPr lang="en-US" sz="1400" b="1" dirty="0">
                 <a:latin typeface="Monaco"/>
                 <a:cs typeface="Monaco"/>
               </a:rPr>
-              <a:t>public class </a:t>
-            </a:r>
-            <a:r>
-              <a:rPr lang="en-US" sz="1400" b="1" dirty="0" err="1">
-                <a:latin typeface="Monaco"/>
-                <a:cs typeface="Monaco"/>
-              </a:rPr>
-              <a:t>LDAPServiceImpl</a:t>
-            </a:r>
-            <a:r>
-              <a:rPr lang="en-US" sz="1400" b="1" dirty="0">
-                <a:latin typeface="Monaco"/>
-                <a:cs typeface="Monaco"/>
-              </a:rPr>
-              <a:t> implements </a:t>
-            </a:r>
-            <a:r>
-              <a:rPr lang="en-US" sz="1400" b="1" dirty="0" err="1">
-                <a:latin typeface="Monaco"/>
-                <a:cs typeface="Monaco"/>
-              </a:rPr>
-              <a:t>LDAPService</a:t>
-            </a:r>
-            <a:r>
-              <a:rPr lang="en-US" sz="1400" b="1" dirty="0">
-                <a:latin typeface="Monaco"/>
-                <a:cs typeface="Monaco"/>
-              </a:rPr>
-              <a:t> {</a:t>
-            </a:r>
-          </a:p>
-          <a:p>
-            <a:pPr>
-              <a:lnSpc>
-                <a:spcPct val="100000"/>
-              </a:lnSpc>
-              <a:buSzPct val="25000"/>
-            </a:pPr>
-            <a:r>
-              <a:rPr lang="en-US" sz="1400" b="1" dirty="0">
-                <a:latin typeface="Monaco"/>
-                <a:cs typeface="Monaco"/>
-              </a:rPr>
-              <a:t>...</a:t>
-            </a:r>
-          </a:p>
-          <a:p>
-            <a:pPr>
-              <a:lnSpc>
-                <a:spcPct val="100000"/>
-              </a:lnSpc>
-              <a:buSzPct val="25000"/>
-            </a:pPr>
-            <a:r>
-              <a:rPr lang="en-US" sz="1400" b="1" dirty="0">
-                <a:latin typeface="Monaco"/>
-                <a:cs typeface="Monaco"/>
-              </a:rPr>
-              <a:t>  public </a:t>
-            </a:r>
-            <a:r>
-              <a:rPr lang="en-US" sz="1400" b="1" dirty="0" err="1">
-                <a:latin typeface="Monaco"/>
-                <a:cs typeface="Monaco"/>
-              </a:rPr>
-              <a:t>LDAPServiceImpl</a:t>
-            </a:r>
-            <a:r>
-              <a:rPr lang="en-US" sz="1400" b="1" dirty="0">
-                <a:latin typeface="Monaco"/>
-                <a:cs typeface="Monaco"/>
-              </a:rPr>
-              <a:t>(</a:t>
-            </a:r>
-            <a:r>
-              <a:rPr lang="en-US" sz="1400" b="1" dirty="0" err="1">
-                <a:latin typeface="Monaco"/>
-                <a:cs typeface="Monaco"/>
-              </a:rPr>
-              <a:t>InitParams</a:t>
-            </a:r>
-            <a:r>
-              <a:rPr lang="en-US" sz="1400" b="1" dirty="0">
-                <a:latin typeface="Monaco"/>
-                <a:cs typeface="Monaco"/>
-              </a:rPr>
-              <a:t> </a:t>
-            </a:r>
-            <a:r>
-              <a:rPr lang="en-US" sz="1400" b="1" dirty="0" err="1">
-                <a:latin typeface="Monaco"/>
-                <a:cs typeface="Monaco"/>
-              </a:rPr>
-              <a:t>params</a:t>
-            </a:r>
-            <a:r>
-              <a:rPr lang="en-US" sz="1400" b="1" dirty="0">
-                <a:latin typeface="Monaco"/>
-                <a:cs typeface="Monaco"/>
-              </a:rPr>
-              <a:t>) {</a:t>
-            </a:r>
-          </a:p>
-          <a:p>
-            <a:pPr>
-              <a:lnSpc>
-                <a:spcPct val="100000"/>
-              </a:lnSpc>
-              <a:buSzPct val="25000"/>
-            </a:pPr>
-            <a:r>
-              <a:rPr lang="en-US" sz="1400" b="1" dirty="0">
-                <a:latin typeface="Monaco"/>
-                <a:cs typeface="Monaco"/>
-              </a:rPr>
-              <a:t>    </a:t>
-            </a:r>
-            <a:r>
-              <a:rPr lang="en-US" sz="1400" b="1" dirty="0" err="1">
-                <a:latin typeface="Monaco"/>
-                <a:cs typeface="Monaco"/>
-              </a:rPr>
-              <a:t>LDAPConnectionConfig</a:t>
-            </a:r>
-            <a:r>
-              <a:rPr lang="en-US" sz="1400" b="1" dirty="0">
-                <a:latin typeface="Monaco"/>
-                <a:cs typeface="Monaco"/>
-              </a:rPr>
-              <a:t> </a:t>
-            </a:r>
-            <a:r>
-              <a:rPr lang="en-US" sz="1400" b="1" dirty="0" err="1">
-                <a:latin typeface="Monaco"/>
-                <a:cs typeface="Monaco"/>
-              </a:rPr>
-              <a:t>config</a:t>
-            </a:r>
-            <a:r>
-              <a:rPr lang="en-US" sz="1400" b="1" dirty="0">
-                <a:latin typeface="Monaco"/>
-                <a:cs typeface="Monaco"/>
-              </a:rPr>
-              <a:t> = (</a:t>
-            </a:r>
-            <a:r>
-              <a:rPr lang="en-US" sz="1400" b="1" dirty="0" err="1">
-                <a:latin typeface="Monaco"/>
-                <a:cs typeface="Monaco"/>
-              </a:rPr>
-              <a:t>LDAPConnectionConfig</a:t>
-            </a:r>
-            <a:r>
-              <a:rPr lang="en-US" sz="1400" b="1" dirty="0">
-                <a:latin typeface="Monaco"/>
-                <a:cs typeface="Monaco"/>
-              </a:rPr>
-              <a:t>) </a:t>
-            </a:r>
-            <a:r>
-              <a:rPr lang="en-US" sz="1400" b="1" dirty="0" err="1">
-                <a:latin typeface="Monaco"/>
-                <a:cs typeface="Monaco"/>
-              </a:rPr>
-              <a:t>params.getObjectParam</a:t>
-            </a:r>
-            <a:r>
-              <a:rPr lang="en-US" sz="1400" b="1" dirty="0">
-                <a:latin typeface="Monaco"/>
-                <a:cs typeface="Monaco"/>
-              </a:rPr>
-              <a:t>("</a:t>
-            </a:r>
-            <a:r>
-              <a:rPr lang="en-US" sz="1400" b="1" dirty="0" err="1">
-                <a:latin typeface="Monaco"/>
-                <a:cs typeface="Monaco"/>
-              </a:rPr>
-              <a:t>ldap.config</a:t>
-            </a:r>
-            <a:r>
-              <a:rPr lang="en-US" sz="1400" b="1" dirty="0">
-                <a:latin typeface="Monaco"/>
-                <a:cs typeface="Monaco"/>
-              </a:rPr>
-              <a:t>")</a:t>
-            </a:r>
-          </a:p>
-          <a:p>
-            <a:pPr>
-              <a:lnSpc>
-                <a:spcPct val="100000"/>
-              </a:lnSpc>
-              <a:buSzPct val="25000"/>
-            </a:pPr>
-            <a:r>
-              <a:rPr lang="en-US" sz="1400" b="1" dirty="0">
-                <a:latin typeface="Monaco"/>
-                <a:cs typeface="Monaco"/>
-              </a:rPr>
-              <a:t>                                                               .</a:t>
-            </a:r>
-            <a:r>
-              <a:rPr lang="en-US" sz="1400" b="1" dirty="0" err="1">
-                <a:latin typeface="Monaco"/>
-                <a:cs typeface="Monaco"/>
-              </a:rPr>
-              <a:t>getObject</a:t>
-            </a:r>
-            <a:r>
-              <a:rPr lang="en-US" sz="1400" b="1" dirty="0">
-                <a:latin typeface="Monaco"/>
-                <a:cs typeface="Monaco"/>
-              </a:rPr>
-              <a:t>();</a:t>
-            </a:r>
-          </a:p>
-          <a:p>
-            <a:pPr>
-              <a:lnSpc>
-                <a:spcPct val="100000"/>
-              </a:lnSpc>
-              <a:buSzPct val="25000"/>
-            </a:pPr>
-            <a:r>
-              <a:rPr lang="en-US" sz="1400" b="1" dirty="0">
-                <a:latin typeface="Monaco"/>
-                <a:cs typeface="Monaco"/>
-              </a:rPr>
-              <a:t>...</a:t>
-            </a:r>
-            <a:r>
-              <a:rPr lang="pt-BR" sz="1400" b="1" dirty="0" smtClean="0">
-                <a:latin typeface="Monaco"/>
-                <a:cs typeface="Monaco"/>
-              </a:rPr>
-              <a:t>...</a:t>
-            </a:r>
-            <a:r>
-              <a:rPr lang="hu-HU" sz="1400" b="1" dirty="0" smtClean="0">
-                <a:latin typeface="Monaco"/>
-                <a:cs typeface="Monaco"/>
-              </a:rPr>
-              <a:t>...</a:t>
-            </a:r>
-          </a:p>
-          <a:p>
-            <a:pPr>
-              <a:lnSpc>
-                <a:spcPct val="100000"/>
-              </a:lnSpc>
-              <a:buSzPct val="25000"/>
-            </a:pPr>
-            <a:r>
-              <a:rPr lang="en-US" sz="1400" b="1" dirty="0">
-                <a:latin typeface="Monaco"/>
-                <a:cs typeface="Monaco"/>
-              </a:rPr>
-              <a:t>package </a:t>
-            </a:r>
-            <a:r>
-              <a:rPr lang="en-US" sz="1400" b="1" dirty="0" err="1">
-                <a:latin typeface="Monaco"/>
-                <a:cs typeface="Monaco"/>
-              </a:rPr>
-              <a:t>org.exoplatform.services.ldap.impl</a:t>
-            </a:r>
-            <a:r>
-              <a:rPr lang="en-US" sz="1400" b="1" dirty="0">
-                <a:latin typeface="Monaco"/>
-                <a:cs typeface="Monaco"/>
-              </a:rPr>
-              <a:t>;</a:t>
-            </a:r>
-          </a:p>
-          <a:p>
-            <a:pPr>
-              <a:lnSpc>
-                <a:spcPct val="100000"/>
-              </a:lnSpc>
-              <a:buSzPct val="25000"/>
-            </a:pPr>
-            <a:endParaRPr lang="en-US" sz="1400" b="1" dirty="0">
-              <a:latin typeface="Monaco"/>
-              <a:cs typeface="Monaco"/>
-            </a:endParaRPr>
-          </a:p>
-          <a:p>
-            <a:pPr>
-              <a:lnSpc>
-                <a:spcPct val="100000"/>
-              </a:lnSpc>
-              <a:buSzPct val="25000"/>
-            </a:pPr>
-            <a:r>
-              <a:rPr lang="en-US" sz="1400" b="1" dirty="0">
-                <a:latin typeface="Monaco"/>
-                <a:cs typeface="Monaco"/>
-              </a:rPr>
-              <a:t>public class </a:t>
+              <a:t>class </a:t>
             </a:r>
             <a:r>
               <a:rPr lang="en-US" sz="1400" b="1" dirty="0" err="1">
@@ -21200,17 +20932,17 @@
               </a:lnSpc>
               <a:buSzPct val="25000"/>
             </a:pPr>
-            <a:endParaRPr lang="en-US" sz="2400" b="1" dirty="0" smtClean="0"/>
-          </a:p>
-          <a:p>
-            <a:pPr>
-              <a:lnSpc>
-                <a:spcPct val="100000"/>
-              </a:lnSpc>
-              <a:buSzPct val="25000"/>
-            </a:pPr>
-            <a:r>
-              <a:rPr lang="en-US" sz="2200" b="1" dirty="0" smtClean="0"/>
+            <a:endParaRPr lang="en-US" sz="2000" b="1" dirty="0" smtClean="0"/>
+          </a:p>
+          <a:p>
+            <a:pPr>
+              <a:lnSpc>
+                <a:spcPct val="100000"/>
+              </a:lnSpc>
+              <a:buSzPct val="25000"/>
+            </a:pPr>
+            <a:r>
+              <a:rPr lang="en-US" sz="2000" b="1" dirty="0" smtClean="0"/>
               <a:t>Portal mode:</a:t>
             </a:r>
           </a:p>
@@ -21224,10 +20956,10 @@
               <a:buChar char="u"/>
             </a:pPr>
             <a:r>
-              <a:rPr lang="en-US" sz="2200" b="1" i="1" dirty="0" err="1" smtClean="0"/>
+              <a:rPr lang="en-US" sz="2000" b="1" i="1" dirty="0" err="1" smtClean="0"/>
               <a:t>RootContainer</a:t>
             </a:r>
-            <a:endParaRPr lang="en-US" sz="2200" dirty="0" smtClean="0"/>
+            <a:endParaRPr lang="en-US" sz="2000" dirty="0" smtClean="0"/>
           </a:p>
           <a:p>
             <a:pPr marL="342900" indent="-342900">
@@ -21239,53 +20971,53 @@
               <a:buChar char="u"/>
             </a:pPr>
             <a:r>
-              <a:rPr lang="en-US" sz="2200" b="1" i="1" dirty="0" err="1" smtClean="0"/>
+              <a:rPr lang="en-US" sz="2000" b="1" i="1" dirty="0" err="1" smtClean="0"/>
               <a:t>PortalContainer</a:t>
             </a:r>
-            <a:endParaRPr lang="en-US" sz="2200" dirty="0" smtClean="0"/>
-          </a:p>
-          <a:p>
-            <a:pPr>
-              <a:lnSpc>
-                <a:spcPct val="100000"/>
-              </a:lnSpc>
-              <a:buSzPct val="25000"/>
-            </a:pPr>
-            <a:r>
-              <a:rPr lang="en-US" sz="2200" b="1" i="1" dirty="0" smtClean="0"/>
-              <a:t>Initialized at AS startup</a:t>
-            </a:r>
-          </a:p>
-          <a:p>
-            <a:pPr>
-              <a:lnSpc>
-                <a:spcPct val="100000"/>
-              </a:lnSpc>
-              <a:buSzPct val="25000"/>
-            </a:pPr>
-            <a:r>
-              <a:rPr lang="en-US" sz="2200" b="1" i="1" dirty="0" smtClean="0"/>
-              <a:t>Configured automatically by several different files</a:t>
-            </a:r>
-          </a:p>
-          <a:p>
-            <a:pPr>
-              <a:lnSpc>
-                <a:spcPct val="100000"/>
-              </a:lnSpc>
-              <a:buSzPct val="25000"/>
-            </a:pPr>
-            <a:endParaRPr lang="en-US" sz="2200" b="1" i="1" dirty="0" smtClean="0"/>
-          </a:p>
-          <a:p>
-            <a:pPr>
-              <a:lnSpc>
-                <a:spcPct val="100000"/>
-              </a:lnSpc>
-              <a:buSzPct val="25000"/>
-            </a:pPr>
-            <a:r>
-              <a:rPr lang="en-US" sz="2200" b="1" i="1" dirty="0" smtClean="0"/>
+            <a:endParaRPr lang="en-US" sz="2000" dirty="0" smtClean="0"/>
+          </a:p>
+          <a:p>
+            <a:pPr>
+              <a:lnSpc>
+                <a:spcPct val="100000"/>
+              </a:lnSpc>
+              <a:buSzPct val="25000"/>
+            </a:pPr>
+            <a:r>
+              <a:rPr lang="en-US" sz="2000" b="1" i="1" dirty="0" smtClean="0"/>
+              <a:t>Initialized and launched at AS startup</a:t>
+            </a:r>
+          </a:p>
+          <a:p>
+            <a:pPr>
+              <a:lnSpc>
+                <a:spcPct val="100000"/>
+              </a:lnSpc>
+              <a:buSzPct val="25000"/>
+            </a:pPr>
+            <a:r>
+              <a:rPr lang="en-US" sz="2000" b="1" i="1" dirty="0" smtClean="0"/>
+              <a:t>Configured by files located on predefined places</a:t>
+            </a:r>
+          </a:p>
+          <a:p>
+            <a:pPr>
+              <a:lnSpc>
+                <a:spcPct val="100000"/>
+              </a:lnSpc>
+              <a:buSzPct val="25000"/>
+            </a:pPr>
+            <a:endParaRPr lang="en-US" sz="2000" b="1" i="1" dirty="0" smtClean="0"/>
+          </a:p>
+          <a:p>
+            <a:pPr>
+              <a:lnSpc>
+                <a:spcPct val="100000"/>
+              </a:lnSpc>
+              <a:buSzPct val="25000"/>
+            </a:pPr>
+            <a:r>
+              <a:rPr lang="en-US" sz="2000" b="1" i="1" dirty="0" smtClean="0"/>
               <a:t>Standalone mode:</a:t>
             </a:r>
           </a:p>
@@ -21299,31 +21031,31 @@
               <a:buChar char="u"/>
             </a:pPr>
             <a:r>
-              <a:rPr lang="en-US" sz="2200" b="1" i="1" dirty="0" err="1" smtClean="0"/>
+              <a:rPr lang="en-US" sz="2000" b="1" i="1" dirty="0" err="1" smtClean="0"/>
               <a:t>StandaloneContainer</a:t>
             </a:r>
-            <a:endParaRPr lang="en-US" sz="2200" b="1" i="1" dirty="0" smtClean="0"/>
-          </a:p>
-          <a:p>
-            <a:pPr>
-              <a:lnSpc>
-                <a:spcPct val="100000"/>
-              </a:lnSpc>
-              <a:buSzPct val="25000"/>
-            </a:pPr>
-            <a:r>
-              <a:rPr lang="en-US" sz="2200" b="1" i="1" dirty="0" smtClean="0"/>
-              <a:t>Initialized by </a:t>
-            </a:r>
-            <a:r>
-              <a:rPr lang="en-US" sz="2200" b="1" i="1" dirty="0" err="1" smtClean="0">
+            <a:endParaRPr lang="en-US" sz="2000" b="1" i="1" dirty="0" smtClean="0"/>
+          </a:p>
+          <a:p>
+            <a:pPr>
+              <a:lnSpc>
+                <a:spcPct val="100000"/>
+              </a:lnSpc>
+              <a:buSzPct val="25000"/>
+            </a:pPr>
+            <a:r>
+              <a:rPr lang="en-US" sz="2000" b="1" i="1" dirty="0" smtClean="0"/>
+              <a:t>Initialized and launched by </a:t>
+            </a:r>
+            <a:r>
+              <a:rPr lang="en-US" sz="2000" b="1" i="1" dirty="0" err="1" smtClean="0">
                 <a:latin typeface="Monaco"/>
                 <a:cs typeface="Monaco"/>
               </a:rPr>
               <a:t>StandaloneContainer.getInstance</a:t>
             </a:r>
             <a:r>
-              <a:rPr lang="en-US" sz="2200" b="1" i="1" dirty="0" smtClean="0">
+              <a:rPr lang="en-US" sz="2000" b="1" i="1" dirty="0" smtClean="0">
                 <a:latin typeface="Monaco"/>
                 <a:cs typeface="Monaco"/>
               </a:rPr>
@@ -21332,38 +21064,47 @@
           </a:p>
           <a:p>
             <a:pPr>
-              <a:lnSpc>
-                <a:spcPct val="100000"/>
-              </a:lnSpc>
-              <a:buSzPct val="25000"/>
-            </a:pPr>
-            <a:r>
-              <a:rPr lang="en-US" sz="2200" b="1" i="1" dirty="0" smtClean="0"/>
-              <a:t>Configured automatically or manually by </a:t>
-            </a:r>
-            <a:r>
-              <a:rPr lang="en-US" sz="2200" b="1" i="1" dirty="0" err="1" smtClean="0">
-                <a:latin typeface="Monaco"/>
-                <a:cs typeface="Monaco"/>
-              </a:rPr>
-              <a:t>StandaloneContainer.addConfigurationPath</a:t>
-            </a:r>
-            <a:r>
-              <a:rPr lang="en-US" sz="2200" b="1" i="1" dirty="0" smtClean="0">
-                <a:latin typeface="Monaco"/>
-                <a:cs typeface="Monaco"/>
-              </a:rPr>
-              <a:t>(</a:t>
-            </a:r>
-            <a:r>
-              <a:rPr lang="en-US" sz="2200" b="1" i="1" dirty="0" err="1" smtClean="0">
-                <a:latin typeface="Monaco"/>
-                <a:cs typeface="Monaco"/>
-              </a:rPr>
-              <a:t>configPath</a:t>
-            </a:r>
-            <a:r>
-              <a:rPr lang="en-US" sz="2200" b="1" i="1" dirty="0" smtClean="0">
+              <a:buSzPct val="25000"/>
+            </a:pPr>
+            <a:r>
+              <a:rPr lang="en-US" sz="2000" b="1" i="1" dirty="0"/>
+              <a:t>Configured by files located on predefined places</a:t>
+            </a:r>
+          </a:p>
+          <a:p>
+            <a:pPr>
+              <a:lnSpc>
+                <a:spcPct val="100000"/>
+              </a:lnSpc>
+              <a:buSzPct val="25000"/>
+            </a:pPr>
+            <a:r>
+              <a:rPr lang="en-US" sz="2000" b="1" i="1" dirty="0" smtClean="0"/>
+              <a:t> or manually by </a:t>
+            </a:r>
+            <a:r>
+              <a:rPr lang="en-US" sz="2000" b="1" i="1" dirty="0" err="1" smtClean="0">
+                <a:latin typeface="Monaco"/>
+                <a:cs typeface="Monaco"/>
+              </a:rPr>
+              <a:t>StandaloneContainer.addConfigurationURL</a:t>
+            </a:r>
+            <a:r>
+              <a:rPr lang="en-US" sz="2000" b="1" i="1" dirty="0" smtClean="0">
+                <a:latin typeface="Monaco"/>
+                <a:cs typeface="Monaco"/>
+              </a:rPr>
+              <a:t>(String </a:t>
+            </a:r>
+            <a:r>
+              <a:rPr lang="en-US" sz="2000" b="1" i="1" dirty="0" err="1" smtClean="0">
+                <a:latin typeface="Monaco"/>
+                <a:cs typeface="Monaco"/>
+              </a:rPr>
+              <a:t>url</a:t>
+            </a:r>
+            <a:r>
+              <a:rPr lang="en-US" sz="2000" b="1" i="1" dirty="0" smtClean="0">
                 <a:latin typeface="Monaco"/>
                 <a:cs typeface="Monaco"/>
               </a:rPr>
@@ -21377,7 +21118,7 @@
               </a:lnSpc>
               <a:buSzPct val="25000"/>
             </a:pPr>
-            <a:endParaRPr lang="en-US" sz="2200" b="1" i="1" dirty="0" smtClean="0">
+            <a:endParaRPr lang="en-US" sz="2000" b="1" i="1" dirty="0" smtClean="0">
               <a:latin typeface="Monaco"/>
               <a:cs typeface="Monaco"/>
             </a:endParaRPr>
@@ -21390,48 +21131,48 @@
               <a:buSzPct val="25000"/>
             </a:pPr>
             <a:r>
-              <a:rPr lang="en-US" sz="2200" b="1" i="1" dirty="0" smtClean="0">
+              <a:rPr lang="en-US" sz="2000" b="1" i="1" dirty="0" smtClean="0">
                 <a:cs typeface="Monaco"/>
               </a:rPr>
               <a:t>Retrieve effective configuration from JMX console: call </a:t>
             </a:r>
             <a:r>
-              <a:rPr lang="en-US" sz="2200" b="1" i="1" dirty="0" err="1" smtClean="0">
+              <a:rPr lang="en-US" sz="2000" b="1" i="1" dirty="0" err="1" smtClean="0">
                 <a:cs typeface="Monaco"/>
               </a:rPr>
               <a:t>getConfigurationXML</a:t>
             </a:r>
             <a:r>
-              <a:rPr lang="en-US" sz="2200" b="1" i="1" dirty="0" smtClean="0">
+              <a:rPr lang="en-US" sz="2000" b="1" i="1" dirty="0" smtClean="0">
                 <a:cs typeface="Monaco"/>
               </a:rPr>
               <a:t>() on the M</a:t>
             </a:r>
             <a:r>
-              <a:rPr lang="fr-FR" sz="2200" b="1" i="1" dirty="0" smtClean="0">
+              <a:rPr lang="fr-FR" sz="2000" b="1" i="1" dirty="0" smtClean="0">
                 <a:cs typeface="Monaco"/>
               </a:rPr>
               <a:t>B</a:t>
             </a:r>
             <a:r>
-              <a:rPr lang="en-US" sz="2200" b="1" i="1" dirty="0" err="1" smtClean="0">
+              <a:rPr lang="en-US" sz="2000" b="1" i="1" dirty="0" err="1" smtClean="0">
                 <a:cs typeface="Monaco"/>
               </a:rPr>
               <a:t>ean</a:t>
             </a:r>
             <a:r>
-              <a:rPr lang="en-US" sz="2200" b="1" i="1" dirty="0" smtClean="0">
+              <a:rPr lang="en-US" sz="2000" b="1" i="1" dirty="0" smtClean="0">
                 <a:cs typeface="Monaco"/>
               </a:rPr>
               <a:t> representing the </a:t>
             </a:r>
             <a:r>
-              <a:rPr lang="en-US" sz="2200" b="1" i="1" dirty="0" err="1" smtClean="0">
+              <a:rPr lang="en-US" sz="2000" b="1" i="1" dirty="0" err="1" smtClean="0">
                 <a:cs typeface="Monaco"/>
               </a:rPr>
               <a:t>ExoContainer</a:t>
             </a:r>
-            <a:endParaRPr lang="en-US" sz="2200" b="1" i="1" dirty="0">
+            <a:endParaRPr lang="en-US" sz="2000" b="1" i="1" dirty="0">
               <a:cs typeface="Monaco"/>
             </a:endParaRPr>
           </a:p>
@@ -23825,11 +23566,7 @@
             </a:pPr>
             <a:r>
               <a:rPr lang="en-GB" sz="2200" b="1" i="1" dirty="0" smtClean="0"/>
-              <a:t>Persists the repository </a:t>
-            </a:r>
-            <a:r>
-              <a:rPr lang="en-GB" sz="2200" b="1" i="1" dirty="0" smtClean="0"/>
-              <a:t>configuration</a:t>
+              <a:t>Persists the repository configuration</a:t>
             </a:r>
           </a:p>
           <a:p>
@@ -27354,160 +27091,42 @@
               <a:buSzPct val="25000"/>
             </a:pPr>
             <a:r>
-              <a:rPr lang="it-IT" sz="2400" b="1" dirty="0" err="1" smtClean="0"/>
-              <a:t>Configuration</a:t>
-            </a:r>
-            <a:r>
-              <a:rPr lang="it-IT" sz="2400" b="1" dirty="0" smtClean="0"/>
-              <a:t>: Value Storage</a:t>
-            </a:r>
-          </a:p>
-          <a:p>
-            <a:pPr>
-              <a:lnSpc>
-                <a:spcPct val="100000"/>
-              </a:lnSpc>
-              <a:buSzPct val="25000"/>
-            </a:pPr>
-            <a:endParaRPr lang="it-IT" sz="2400" b="1" dirty="0" smtClean="0"/>
-          </a:p>
-          <a:p>
-            <a:pPr>
-              <a:lnSpc>
-                <a:spcPct val="100000"/>
-              </a:lnSpc>
-              <a:buSzPct val="25000"/>
-            </a:pPr>
-            <a:r>
-              <a:rPr lang="it-IT" sz="2200" b="1" dirty="0" err="1" smtClean="0"/>
-              <a:t>Allows</a:t>
-            </a:r>
-            <a:r>
-              <a:rPr lang="it-IT" sz="2200" b="1" dirty="0" smtClean="0"/>
-              <a:t> to </a:t>
-            </a:r>
-            <a:r>
-              <a:rPr lang="it-IT" sz="2200" b="1" dirty="0" err="1" smtClean="0"/>
-              <a:t>improve</a:t>
-            </a:r>
-            <a:r>
-              <a:rPr lang="it-IT" sz="2200" b="1" dirty="0" smtClean="0"/>
-              <a:t> </a:t>
-            </a:r>
-            <a:r>
-              <a:rPr lang="it-IT" sz="2200" b="1" dirty="0" err="1" smtClean="0"/>
-              <a:t>perfs</a:t>
-            </a:r>
-            <a:r>
-              <a:rPr lang="it-IT" sz="2200" b="1" dirty="0" smtClean="0"/>
-              <a:t> in case of big </a:t>
-            </a:r>
-            <a:r>
-              <a:rPr lang="it-IT" sz="2200" b="1" dirty="0" err="1"/>
-              <a:t>b</a:t>
-            </a:r>
-            <a:r>
-              <a:rPr lang="it-IT" sz="2200" b="1" dirty="0" err="1" smtClean="0"/>
-              <a:t>inary</a:t>
-            </a:r>
-            <a:r>
-              <a:rPr lang="it-IT" sz="2200" b="1" dirty="0" smtClean="0"/>
-              <a:t> </a:t>
-            </a:r>
-            <a:r>
-              <a:rPr lang="it-IT" sz="2200" b="1" dirty="0" err="1" smtClean="0"/>
-              <a:t>content</a:t>
-            </a:r>
-            <a:endParaRPr lang="it-IT" sz="2200" b="1" dirty="0" smtClean="0"/>
-          </a:p>
-          <a:p>
-            <a:pPr>
-              <a:lnSpc>
-                <a:spcPct val="100000"/>
-              </a:lnSpc>
-              <a:buSzPct val="25000"/>
-            </a:pPr>
-            <a:r>
-              <a:rPr lang="it-IT" sz="2200" b="1" dirty="0" smtClean="0"/>
-              <a:t>Can </a:t>
-            </a:r>
-            <a:r>
-              <a:rPr lang="it-IT" sz="2200" b="1" dirty="0" err="1" smtClean="0"/>
-              <a:t>filter</a:t>
-            </a:r>
-            <a:r>
-              <a:rPr lang="it-IT" sz="2200" b="1" dirty="0" smtClean="0"/>
-              <a:t> by </a:t>
-            </a:r>
-            <a:r>
-              <a:rPr lang="it-IT" sz="2200" b="1" dirty="0" err="1" smtClean="0"/>
-              <a:t>property</a:t>
-            </a:r>
-            <a:r>
-              <a:rPr lang="it-IT" sz="2200" b="1" dirty="0" smtClean="0"/>
-              <a:t> </a:t>
-            </a:r>
-            <a:r>
-              <a:rPr lang="it-IT" sz="2200" b="1" dirty="0" err="1" smtClean="0"/>
-              <a:t>type</a:t>
-            </a:r>
-            <a:r>
-              <a:rPr lang="it-IT" sz="2200" b="1" dirty="0" smtClean="0"/>
-              <a:t>, </a:t>
-            </a:r>
-            <a:r>
-              <a:rPr lang="it-IT" sz="2200" b="1" dirty="0" err="1" smtClean="0"/>
-              <a:t>min</a:t>
-            </a:r>
-            <a:r>
-              <a:rPr lang="it-IT" sz="2200" b="1" dirty="0" smtClean="0"/>
-              <a:t> </a:t>
-            </a:r>
-            <a:r>
-              <a:rPr lang="it-IT" sz="2200" b="1" dirty="0" err="1" smtClean="0"/>
-              <a:t>value</a:t>
-            </a:r>
-            <a:r>
-              <a:rPr lang="it-IT" sz="2200" b="1" dirty="0" smtClean="0"/>
-              <a:t> </a:t>
-            </a:r>
-            <a:r>
-              <a:rPr lang="it-IT" sz="2200" b="1" dirty="0" err="1" smtClean="0"/>
-              <a:t>size</a:t>
-            </a:r>
-            <a:r>
-              <a:rPr lang="it-IT" sz="2200" b="1" dirty="0" smtClean="0"/>
-              <a:t>, </a:t>
-            </a:r>
-            <a:r>
-              <a:rPr lang="it-IT" sz="2200" b="1" dirty="0" err="1" smtClean="0"/>
-              <a:t>property</a:t>
-            </a:r>
-            <a:r>
-              <a:rPr lang="it-IT" sz="2200" b="1" dirty="0" smtClean="0"/>
-              <a:t> </a:t>
-            </a:r>
-            <a:r>
-              <a:rPr lang="it-IT" sz="2200" b="1" dirty="0" err="1" smtClean="0"/>
-              <a:t>name</a:t>
-            </a:r>
-            <a:r>
-              <a:rPr lang="it-IT" sz="2200" b="1" dirty="0" smtClean="0"/>
-              <a:t> and </a:t>
-            </a:r>
-            <a:r>
-              <a:rPr lang="it-IT" sz="2200" b="1" dirty="0" err="1" smtClean="0"/>
-              <a:t>ancestor</a:t>
-            </a:r>
-            <a:r>
-              <a:rPr lang="it-IT" sz="2200" b="1" dirty="0" smtClean="0"/>
-              <a:t> </a:t>
-            </a:r>
-            <a:r>
-              <a:rPr lang="it-IT" sz="2200" b="1" dirty="0" err="1" smtClean="0"/>
-              <a:t>path</a:t>
-            </a:r>
-            <a:endParaRPr lang="it-IT" sz="2200" b="1" dirty="0" smtClean="0"/>
+              <a:rPr lang="en-US" sz="2400" b="1" dirty="0" smtClean="0"/>
+              <a:t>Configuration: Value Storage</a:t>
+            </a:r>
+          </a:p>
+          <a:p>
+            <a:pPr>
+              <a:lnSpc>
+                <a:spcPct val="100000"/>
+              </a:lnSpc>
+              <a:buSzPct val="25000"/>
+            </a:pPr>
+            <a:endParaRPr lang="en-US" sz="2400" b="1" dirty="0" smtClean="0"/>
+          </a:p>
+          <a:p>
+            <a:pPr>
+              <a:lnSpc>
+                <a:spcPct val="100000"/>
+              </a:lnSpc>
+              <a:buSzPct val="25000"/>
+            </a:pPr>
+            <a:r>
+              <a:rPr lang="en-US" sz="2200" b="1" dirty="0" smtClean="0"/>
+              <a:t>Allows to improve performances in case of big binary content</a:t>
+            </a:r>
+          </a:p>
+          <a:p>
+            <a:pPr>
+              <a:lnSpc>
+                <a:spcPct val="100000"/>
+              </a:lnSpc>
+              <a:buSzPct val="25000"/>
+            </a:pPr>
+            <a:r>
+              <a:rPr lang="en-US" sz="2200" b="1" dirty="0" smtClean="0"/>
+              <a:t>Can filter by property type, min value size, property name and ancestor path</a:t>
+            </a:r>
           </a:p>
           <a:p>
             <a:pPr>
@@ -30485,7 +30104,7 @@
               <a:buSzPct val="25000"/>
             </a:pPr>
             <a:r>
-              <a:rPr lang="it-IT" sz="2400" b="1" dirty="0" smtClean="0"/>
+              <a:rPr lang="en-US" sz="2400" b="1" dirty="0" smtClean="0"/>
               <a:t>OPTIONAL</a:t>
             </a:r>
           </a:p>
@@ -30496,37 +30115,28 @@
               </a:lnSpc>
               <a:buSzPct val="25000"/>
             </a:pPr>
-            <a:endParaRPr lang="it-IT" sz="2400" b="1" dirty="0" smtClean="0"/>
-          </a:p>
-          <a:p>
-            <a:pPr>
-              <a:lnSpc>
-                <a:spcPct val="100000"/>
-              </a:lnSpc>
-              <a:buSzPct val="25000"/>
-            </a:pPr>
-            <a:r>
-              <a:rPr lang="it-IT" sz="2400" b="1" dirty="0" err="1" smtClean="0"/>
-              <a:t>Purpose</a:t>
-            </a:r>
-            <a:r>
-              <a:rPr lang="it-IT" sz="2400" b="1" dirty="0" smtClean="0"/>
-              <a:t> of the Query </a:t>
-            </a:r>
-            <a:r>
-              <a:rPr lang="it-IT" sz="2400" b="1" dirty="0" err="1" smtClean="0"/>
-              <a:t>Handler</a:t>
-            </a:r>
-            <a:endParaRPr lang="en-GB" sz="2400" b="1" dirty="0" smtClean="0"/>
-          </a:p>
-          <a:p>
-            <a:pPr>
-              <a:lnSpc>
-                <a:spcPct val="100000"/>
-              </a:lnSpc>
-              <a:buSzPct val="25000"/>
-            </a:pPr>
-            <a:endParaRPr lang="en-GB" sz="2400" b="1" dirty="0" smtClean="0"/>
+            <a:endParaRPr lang="en-US" sz="2400" b="1" dirty="0" smtClean="0"/>
+          </a:p>
+          <a:p>
+            <a:pPr>
+              <a:lnSpc>
+                <a:spcPct val="100000"/>
+              </a:lnSpc>
+              <a:buSzPct val="25000"/>
+            </a:pPr>
+            <a:r>
+              <a:rPr lang="en-US" sz="2400" b="1" dirty="0" smtClean="0"/>
+              <a:t>Purpose of the Query Handler</a:t>
+            </a:r>
+          </a:p>
+          <a:p>
+            <a:pPr>
+              <a:lnSpc>
+                <a:spcPct val="100000"/>
+              </a:lnSpc>
+              <a:buSzPct val="25000"/>
+            </a:pPr>
+            <a:endParaRPr lang="en-US" sz="2400" b="1" dirty="0" smtClean="0"/>
           </a:p>
           <a:p>
             <a:pPr marL="342900" indent="-342900">
@@ -30538,7 +30148,7 @@
               <a:buChar char="u"/>
             </a:pPr>
             <a:r>
-              <a:rPr lang="en-GB" sz="2200" b="1" i="1" dirty="0" smtClean="0"/>
+              <a:rPr lang="en-US" sz="2200" b="1" i="1" dirty="0" smtClean="0"/>
               <a:t>Executes the JCR Queries</a:t>
             </a:r>
           </a:p>
@@ -30552,8 +30162,8 @@
               <a:buChar char="u"/>
             </a:pPr>
             <a:r>
-              <a:rPr lang="en-GB" sz="2200" b="1" i="1" dirty="0" smtClean="0"/>
-              <a:t>Manages the JCR data indexing</a:t>
+              <a:rPr lang="en-US" sz="2200" b="1" i="1" dirty="0" smtClean="0"/>
+              <a:t>Manages the data indexing</a:t>
             </a:r>
           </a:p>
           <a:p>
@@ -30565,41 +30175,28 @@
               <a:buFont typeface="Wingdings" charset="2"/>
               <a:buChar char="u"/>
             </a:pPr>
-            <a:endParaRPr lang="en-GB" sz="2200" b="1" i="1" dirty="0"/>
-          </a:p>
-          <a:p>
-            <a:pPr>
-              <a:lnSpc>
-                <a:spcPct val="100000"/>
-              </a:lnSpc>
-              <a:buSzPct val="25000"/>
-            </a:pPr>
-            <a:r>
-              <a:rPr lang="it-IT" sz="2400" b="1" dirty="0" err="1"/>
-              <a:t>Purpose</a:t>
-            </a:r>
-            <a:r>
-              <a:rPr lang="it-IT" sz="2400" b="1" dirty="0"/>
-              <a:t> of the </a:t>
-            </a:r>
-            <a:r>
-              <a:rPr lang="it-IT" sz="2400" b="1" dirty="0" err="1" smtClean="0"/>
-              <a:t>Search</a:t>
-            </a:r>
-            <a:r>
-              <a:rPr lang="it-IT" sz="2400" b="1" dirty="0" smtClean="0"/>
-              <a:t> Manager</a:t>
-            </a:r>
-            <a:endParaRPr lang="en-GB" sz="2400" b="1" dirty="0"/>
-          </a:p>
-          <a:p>
-            <a:pPr>
-              <a:lnSpc>
-                <a:spcPct val="100000"/>
-              </a:lnSpc>
-              <a:buSzPct val="25000"/>
-            </a:pPr>
-            <a:endParaRPr lang="en-GB" sz="2400" b="1" dirty="0"/>
+            <a:endParaRPr lang="en-US" sz="2200" b="1" i="1" dirty="0" smtClean="0"/>
+          </a:p>
+          <a:p>
+            <a:pPr>
+              <a:lnSpc>
+                <a:spcPct val="100000"/>
+              </a:lnSpc>
+              <a:buSzPct val="25000"/>
+            </a:pPr>
+            <a:r>
+              <a:rPr lang="en-US" sz="2400" b="1" dirty="0" smtClean="0"/>
+              <a:t>Purpose of the Search Manager</a:t>
+            </a:r>
+          </a:p>
+          <a:p>
+            <a:pPr>
+              <a:lnSpc>
+                <a:spcPct val="100000"/>
+              </a:lnSpc>
+              <a:buSzPct val="25000"/>
+            </a:pPr>
+            <a:endParaRPr lang="en-US" sz="2400" b="1" dirty="0" smtClean="0"/>
           </a:p>
           <a:p>
             <a:pPr marL="342900" indent="-342900">
@@ -30611,12 +30208,8 @@
               <a:buChar char="u"/>
             </a:pPr>
             <a:r>
-              <a:rPr lang="en-GB" sz="2200" b="1" i="1" dirty="0" smtClean="0"/>
-              <a:t>Creates the </a:t>
-            </a:r>
-            <a:r>
-              <a:rPr lang="en-GB" sz="2200" b="1" i="1" dirty="0"/>
-              <a:t>JCR Queries</a:t>
+              <a:rPr lang="en-US" sz="2200" b="1" i="1" dirty="0" smtClean="0"/>
+              <a:t>Builds the JCR Queries</a:t>
             </a:r>
           </a:p>
           <a:p>
@@ -30629,7 +30222,7 @@
               <a:buChar char="u"/>
             </a:pPr>
             <a:r>
-              <a:rPr lang="en-GB" sz="2200" b="1" i="1" dirty="0" smtClean="0"/>
+              <a:rPr lang="en-US" sz="2200" b="1" i="1" dirty="0" smtClean="0"/>
               <a:t>Provides the Query Handler to the JCR Queries</a:t>
             </a:r>
           </a:p>
@@ -30643,15 +30236,15 @@
               <a:buChar char="u"/>
             </a:pPr>
             <a:r>
-              <a:rPr lang="en-GB" sz="2200" b="1" i="1" dirty="0" smtClean="0"/>
+              <a:rPr lang="en-US" sz="2200" b="1" i="1" dirty="0" smtClean="0"/>
               <a:t>Applies the changes through the </a:t>
             </a:r>
             <a:r>
-              <a:rPr lang="hu-HU" sz="2200" b="1" i="1" dirty="0"/>
+              <a:rPr lang="en-US" sz="2200" b="1" i="1" dirty="0" err="1" smtClean="0"/>
               <a:t>IndexerChangesFilter</a:t>
             </a:r>
             <a:r>
-              <a:rPr lang="en-GB" sz="2200" b="1" i="1" dirty="0" smtClean="0"/>
+              <a:rPr lang="en-US" sz="2200" b="1" i="1" dirty="0" smtClean="0"/>
               <a:t> </a:t>
             </a:r>
           </a:p>
@@ -31569,8 +31162,8 @@
         </p:nvGrpSpPr>
         <p:grpSpPr>
           <a:xfrm>
-            <a:off x="887183" y="1180595"/>
-            <a:ext cx="9418886" cy="4766488"/>
+            <a:off x="0" y="1180595"/>
+            <a:ext cx="10969625" cy="4766488"/>
             <a:chOff x="490320" y="959294"/>
             <a:chExt cx="9418886" cy="4766488"/>
           </a:xfrm>
@@ -31583,10 +31176,10 @@
           </p:nvGrpSpPr>
           <p:grpSpPr>
             <a:xfrm>
-              <a:off x="490320" y="3161440"/>
-              <a:ext cx="9418886" cy="2564342"/>
-              <a:chOff x="507960" y="1463516"/>
-              <a:chExt cx="9418886" cy="2564342"/>
+              <a:off x="490320" y="3508932"/>
+              <a:ext cx="9418886" cy="2216850"/>
+              <a:chOff x="507960" y="1811008"/>
+              <a:chExt cx="9418886" cy="2216850"/>
             </a:xfrm>
           </p:grpSpPr>
           <p:sp>
@@ -31597,8 +31190,8 @@
             </p:nvSpPr>
             <p:spPr>
               <a:xfrm>
-                <a:off x="507960" y="1463516"/>
-                <a:ext cx="9418886" cy="2564342"/>
+                <a:off x="507960" y="1811008"/>
+                <a:ext cx="9418886" cy="2216850"/>
               </a:xfrm>
               <a:prstGeom prst="roundRect">
                 <a:avLst/>
@@ -31966,8 +31559,8 @@
           </p:nvSpPr>
           <p:spPr>
             <a:xfrm>
-              <a:off x="490320" y="2235497"/>
-              <a:ext cx="9418886" cy="914400"/>
+              <a:off x="490320" y="2495188"/>
+              <a:ext cx="9418886" cy="1013743"/>
             </a:xfrm>
             <a:prstGeom prst="roundRect">
               <a:avLst/>
@@ -32032,8 +31625,8 @@
           </p:nvSpPr>
           <p:spPr>
             <a:xfrm rot="5400000">
-              <a:off x="1889387" y="2922048"/>
-              <a:ext cx="1499504" cy="1045073"/>
+              <a:off x="1907537" y="2940201"/>
+              <a:ext cx="1463197" cy="1045073"/>
             </a:xfrm>
             <a:prstGeom prst="notchedRightArrow">
               <a:avLst/>
@@ -32059,10 +31652,10 @@
             <a:p>
               <a:pPr algn="ctr"/>
               <a:r>
-                <a:rPr lang="fr-FR" dirty="0" smtClean="0"/>
+                <a:rPr lang="fr-FR" sz="1200" dirty="0" smtClean="0"/>
                 <a:t>Update</a:t>
               </a:r>
-              <a:endParaRPr lang="fr-FR" dirty="0"/>
+              <a:endParaRPr lang="fr-FR" sz="1200" dirty="0"/>
             </a:p>
           </p:txBody>
         </p:sp>
@@ -32141,7 +31734,7 @@
           <p:spPr>
             <a:xfrm>
               <a:off x="490320" y="1873694"/>
-              <a:ext cx="9418886" cy="361804"/>
+              <a:ext cx="9418886" cy="621494"/>
             </a:xfrm>
             <a:prstGeom prst="roundRect">
               <a:avLst/>
@@ -32203,53 +31796,133 @@
             </a:p>
           </p:txBody>
         </p:sp>
-        <p:sp>
-          <p:nvSpPr>
-            <p:cNvPr id="19" name="Flèche droite à entaille 18"/>
-            <p:cNvSpPr/>
-            <p:nvPr/>
-          </p:nvSpPr>
-          <p:spPr>
-            <a:xfrm rot="5400000">
-              <a:off x="1889386" y="1407811"/>
-              <a:ext cx="1499504" cy="1045073"/>
-            </a:xfrm>
-            <a:prstGeom prst="notchedRightArrow">
-              <a:avLst/>
-            </a:prstGeom>
-          </p:spPr>
-          <p:style>
-            <a:lnRef idx="1">
-              <a:schemeClr val="accent1"/>
-            </a:lnRef>
-            <a:fillRef idx="3">
-              <a:schemeClr val="accent1"/>
-            </a:fillRef>
-            <a:effectRef idx="2">
-              <a:schemeClr val="accent1"/>
-            </a:effectRef>
-            <a:fontRef idx="minor">
-              <a:schemeClr val="lt1"/>
-            </a:fontRef>
-          </p:style>
-          <p:txBody>
-            <a:bodyPr rtlCol="0" anchor="ctr"/>
-            <a:lstStyle/>
-            <a:p>
-              <a:pPr algn="ctr"/>
-              <a:r>
-                <a:rPr lang="fr-FR" dirty="0" smtClean="0"/>
-                <a:t>Update </a:t>
-              </a:r>
-              <a:r>
-                <a:rPr lang="fr-FR" dirty="0" err="1" smtClean="0"/>
-                <a:t>Nodes</a:t>
-              </a:r>
-              <a:endParaRPr lang="fr-FR" dirty="0"/>
-            </a:p>
-          </p:txBody>
-        </p:sp>
       </p:grpSp>
+      <p:sp>
+        <p:nvSpPr>
+          <p:cNvPr id="18" name="Flèche droite à entaille 17"/>
+          <p:cNvSpPr/>
+          <p:nvPr/>
+        </p:nvSpPr>
+        <p:spPr>
+          <a:xfrm rot="5400000">
+            <a:off x="1900165" y="1816604"/>
+            <a:ext cx="1226598" cy="1045073"/>
+          </a:xfrm>
+          <a:prstGeom prst="notchedRightArrow">
+            <a:avLst/>
+          </a:prstGeom>
+        </p:spPr>
+        <p:style>
+          <a:lnRef idx="1">
+            <a:schemeClr val="accent1"/>
+          </a:lnRef>
+          <a:fillRef idx="3">
+            <a:schemeClr val="accent1"/>
+          </a:fillRef>
+          <a:effectRef idx="2">
+            <a:schemeClr val="accent1"/>
+          </a:effectRef>
+          <a:fontRef idx="minor">
+            <a:schemeClr val="lt1"/>
+          </a:fontRef>
+        </p:style>
+        <p:txBody>
+          <a:bodyPr rtlCol="0" anchor="ctr"/>
+          <a:lstStyle/>
+          <a:p>
+            <a:pPr algn="ctr"/>
+            <a:r>
+              <a:rPr lang="fr-FR" sz="1200" dirty="0" err="1" smtClean="0"/>
+              <a:t>Apply</a:t>
+            </a:r>
+            <a:endParaRPr lang="fr-FR" sz="1200" dirty="0"/>
+          </a:p>
+        </p:txBody>
+      </p:sp>
+      <p:sp>
+        <p:nvSpPr>
+          <p:cNvPr id="20" name="Flèche droite à entaille 19"/>
+          <p:cNvSpPr/>
+          <p:nvPr/>
+        </p:nvSpPr>
+        <p:spPr>
+          <a:xfrm rot="5400000">
+            <a:off x="-324526" y="1074897"/>
+            <a:ext cx="1694124" cy="1045073"/>
+          </a:xfrm>
+          <a:prstGeom prst="notchedRightArrow">
+            <a:avLst/>
+          </a:prstGeom>
+        </p:spPr>
+        <p:style>
+          <a:lnRef idx="1">
+            <a:schemeClr val="accent1"/>
+          </a:lnRef>
+          <a:fillRef idx="3">
+            <a:schemeClr val="accent1"/>
+          </a:fillRef>
+          <a:effectRef idx="2">
+            <a:schemeClr val="accent1"/>
+          </a:effectRef>
+          <a:fontRef idx="minor">
+            <a:schemeClr val="lt1"/>
+          </a:fontRef>
+        </p:style>
+        <p:txBody>
+          <a:bodyPr rtlCol="0" anchor="ctr"/>
+          <a:lstStyle/>
+          <a:p>
+            <a:pPr algn="ctr"/>
+            <a:r>
+              <a:rPr lang="fr-FR" sz="1200" dirty="0" err="1" smtClean="0"/>
+              <a:t>onSaveItems</a:t>
+            </a:r>
+            <a:endParaRPr lang="fr-FR" sz="1200" dirty="0"/>
+          </a:p>
+        </p:txBody>
+      </p:sp>
+      <p:sp>
+        <p:nvSpPr>
+          <p:cNvPr id="21" name="Flèche droite à entaille 20"/>
+          <p:cNvSpPr/>
+          <p:nvPr/>
+        </p:nvSpPr>
+        <p:spPr>
+          <a:xfrm rot="16200000">
+            <a:off x="1018868" y="1392167"/>
+            <a:ext cx="1059582" cy="1045073"/>
+          </a:xfrm>
+          <a:prstGeom prst="notchedRightArrow">
+            <a:avLst/>
+          </a:prstGeom>
+        </p:spPr>
+        <p:style>
+          <a:lnRef idx="1">
+            <a:schemeClr val="accent1"/>
+          </a:lnRef>
+          <a:fillRef idx="3">
+            <a:schemeClr val="accent1"/>
+          </a:fillRef>
+          <a:effectRef idx="2">
+            <a:schemeClr val="accent1"/>
+          </a:effectRef>
+          <a:fontRef idx="minor">
+            <a:schemeClr val="lt1"/>
+          </a:fontRef>
+        </p:style>
+        <p:txBody>
+          <a:bodyPr vert="vert" rtlCol="0" anchor="ctr"/>
+          <a:lstStyle/>
+          <a:p>
+            <a:pPr algn="ctr"/>
+            <a:r>
+              <a:rPr lang="fr-FR" sz="1200" dirty="0" err="1" smtClean="0"/>
+              <a:t>UpdateIndex</a:t>
+            </a:r>
+            <a:endParaRPr lang="fr-FR" sz="1200" dirty="0"/>
+          </a:p>
+        </p:txBody>
+      </p:sp>
     </p:spTree>
     <p:extLst>
       <p:ext uri="{BB962C8B-B14F-4D97-AF65-F5344CB8AC3E}">
@@ -36553,7 +36226,7 @@
             <a:pPr algn="ctr"/>
             <a:r>
               <a:rPr lang="fr-FR" dirty="0" smtClean="0"/>
-              <a:t>Data Storage</a:t>
+              <a:t>DB</a:t>
             </a:r>
             <a:endParaRPr lang="fr-FR" dirty="0"/>
           </a:p>
@@ -37085,27 +36758,18 @@
               <a:buSzPct val="25000"/>
             </a:pPr>
             <a:r>
-              <a:rPr lang="it-IT" sz="2400" b="1" dirty="0" err="1" smtClean="0"/>
-              <a:t>Testing</a:t>
-            </a:r>
-            <a:r>
-              <a:rPr lang="it-IT" sz="2400" b="1" dirty="0" smtClean="0"/>
-              <a:t> </a:t>
-            </a:r>
-            <a:r>
-              <a:rPr lang="it-IT" sz="2400" b="1" dirty="0" err="1" smtClean="0"/>
-              <a:t>profiles</a:t>
-            </a:r>
-            <a:endParaRPr lang="en-GB" sz="2400" b="1" dirty="0" smtClean="0"/>
-          </a:p>
-          <a:p>
-            <a:pPr>
-              <a:lnSpc>
-                <a:spcPct val="100000"/>
-              </a:lnSpc>
-              <a:buSzPct val="25000"/>
-            </a:pPr>
-            <a:endParaRPr lang="en-GB" sz="2400" b="1" dirty="0" smtClean="0"/>
+              <a:rPr lang="en-US" sz="2400" b="1" dirty="0" smtClean="0"/>
+              <a:t>Testing profiles</a:t>
+            </a:r>
+          </a:p>
+          <a:p>
+            <a:pPr>
+              <a:lnSpc>
+                <a:spcPct val="100000"/>
+              </a:lnSpc>
+              <a:buSzPct val="25000"/>
+            </a:pPr>
+            <a:endParaRPr lang="en-US" sz="2400" b="1" dirty="0" smtClean="0"/>
           </a:p>
           <a:p>
             <a:pPr marL="342900" indent="-342900">
@@ -37117,26 +36781,21 @@
               <a:buChar char="u"/>
             </a:pPr>
             <a:r>
-              <a:rPr lang="en-US" sz="2200" b="1" i="1" dirty="0"/>
+              <a:rPr lang="en-US" sz="2200" b="1" i="1" dirty="0" smtClean="0"/>
               <a:t>&lt;default&gt; : </a:t>
             </a:r>
             <a:r>
-              <a:rPr lang="en-US" sz="2200" i="1" dirty="0"/>
+              <a:rPr lang="en-US" sz="2200" i="1" dirty="0" smtClean="0"/>
               <a:t>runs </a:t>
             </a:r>
             <a:r>
-              <a:rPr lang="en-US" sz="2200" i="1" dirty="0" err="1"/>
+              <a:rPr lang="en-US" sz="2200" i="1" dirty="0" err="1" smtClean="0"/>
               <a:t>eXo</a:t>
             </a:r>
             <a:r>
-              <a:rPr lang="en-US" sz="2200" i="1" dirty="0"/>
-              <a:t> JCR tests </a:t>
-            </a:r>
-            <a:r>
               <a:rPr lang="en-US" sz="2200" i="1" dirty="0" smtClean="0"/>
-              <a:t>only</a:t>
-            </a:r>
-            <a:endParaRPr lang="en-US" sz="2200" i="1" dirty="0"/>
+              <a:t> JCR tests only</a:t>
+            </a:r>
           </a:p>
           <a:p>
             <a:pPr marL="342900" indent="-342900">
@@ -37148,26 +36807,21 @@
               <a:buChar char="u"/>
             </a:pPr>
             <a:r>
-              <a:rPr lang="en-US" sz="2200" b="1" i="1" dirty="0"/>
+              <a:rPr lang="en-US" sz="2200" b="1" i="1" dirty="0" smtClean="0"/>
               <a:t>run-</a:t>
             </a:r>
             <a:r>
-              <a:rPr lang="en-US" sz="2200" b="1" i="1" dirty="0" err="1"/>
+              <a:rPr lang="en-US" sz="2200" b="1" i="1" dirty="0" err="1" smtClean="0"/>
               <a:t>tck</a:t>
             </a:r>
             <a:r>
-              <a:rPr lang="en-US" sz="2200" b="1" i="1" dirty="0"/>
+              <a:rPr lang="en-US" sz="2200" b="1" i="1" dirty="0" smtClean="0"/>
               <a:t> : </a:t>
             </a:r>
             <a:r>
-              <a:rPr lang="en-US" sz="2200" i="1" dirty="0"/>
-              <a:t>runs TCK tests </a:t>
-            </a:r>
-            <a:r>
               <a:rPr lang="en-US" sz="2200" i="1" dirty="0" smtClean="0"/>
-              <a:t>only</a:t>
-            </a:r>
-            <a:endParaRPr lang="en-US" sz="2200" i="1" dirty="0"/>
+              <a:t>runs TCK tests only</a:t>
+            </a:r>
           </a:p>
           <a:p>
             <a:pPr marL="342900" indent="-342900">
@@ -37179,24 +36833,20 @@
               <a:buChar char="u"/>
             </a:pPr>
             <a:r>
-              <a:rPr lang="en-US" sz="2200" b="1" i="1" dirty="0"/>
+              <a:rPr lang="en-US" sz="2200" b="1" i="1" dirty="0" smtClean="0"/>
               <a:t>run-all : </a:t>
             </a:r>
             <a:r>
-              <a:rPr lang="en-US" sz="2200" i="1" dirty="0"/>
+              <a:rPr lang="en-US" sz="2200" i="1" dirty="0" smtClean="0"/>
               <a:t>runs both </a:t>
             </a:r>
             <a:r>
-              <a:rPr lang="en-US" sz="2200" i="1" dirty="0" err="1"/>
+              <a:rPr lang="en-US" sz="2200" i="1" dirty="0" err="1" smtClean="0"/>
               <a:t>eXo</a:t>
             </a:r>
             <a:r>
-              <a:rPr lang="en-US" sz="2200" i="1" dirty="0"/>
-              <a:t> and TCK </a:t>
-            </a:r>
-            <a:r>
               <a:rPr lang="en-US" sz="2200" i="1" dirty="0" smtClean="0"/>
-              <a:t>tests</a:t>
+              <a:t> and TCK tests</a:t>
             </a:r>
             <a:endParaRPr lang="en-US" sz="2200" b="1" i="1" dirty="0" smtClean="0"/>
           </a:p>
@@ -37209,37 +36859,28 @@
               <a:buFont typeface="Wingdings" charset="2"/>
               <a:buChar char="u"/>
             </a:pPr>
-            <a:endParaRPr lang="en-US" sz="2200" b="1" i="1" dirty="0"/>
-          </a:p>
-          <a:p>
-            <a:pPr>
-              <a:lnSpc>
-                <a:spcPct val="100000"/>
-              </a:lnSpc>
-              <a:buSzPct val="25000"/>
-            </a:pPr>
-            <a:r>
-              <a:rPr lang="it-IT" sz="2400" b="1" dirty="0" err="1" smtClean="0"/>
-              <a:t>Overrides</a:t>
-            </a:r>
-            <a:r>
-              <a:rPr lang="it-IT" sz="2400" b="1" dirty="0" smtClean="0"/>
-              <a:t> default </a:t>
-            </a:r>
-            <a:r>
-              <a:rPr lang="it-IT" sz="2400" b="1" dirty="0" err="1" smtClean="0"/>
-              <a:t>configuration</a:t>
-            </a:r>
-            <a:endParaRPr lang="en-GB" sz="2400" b="1" dirty="0"/>
-          </a:p>
-          <a:p>
-            <a:pPr>
-              <a:lnSpc>
-                <a:spcPct val="100000"/>
-              </a:lnSpc>
-              <a:buSzPct val="25000"/>
-            </a:pPr>
-            <a:endParaRPr lang="en-GB" sz="2400" b="1" dirty="0"/>
+            <a:endParaRPr lang="en-US" sz="2200" b="1" i="1" dirty="0" smtClean="0"/>
+          </a:p>
+          <a:p>
+            <a:pPr>
+              <a:lnSpc>
+                <a:spcPct val="100000"/>
+              </a:lnSpc>
+              <a:buSzPct val="25000"/>
+            </a:pPr>
+            <a:r>
+              <a:rPr lang="en-US" sz="2400" b="1" dirty="0" smtClean="0"/>
+              <a:t>Overrides default configuration</a:t>
+            </a:r>
+          </a:p>
+          <a:p>
+            <a:pPr>
+              <a:lnSpc>
+                <a:spcPct val="100000"/>
+              </a:lnSpc>
+              <a:buSzPct val="25000"/>
+            </a:pPr>
+            <a:endParaRPr lang="en-US" sz="2400" b="1" dirty="0" smtClean="0"/>
           </a:p>
           <a:p>
             <a:pPr marL="342900" indent="-342900">
@@ -37251,8 +36892,12 @@
               <a:buChar char="u"/>
             </a:pPr>
             <a:r>
+              <a:rPr lang="en-US" sz="2200" b="1" i="1" dirty="0" smtClean="0"/>
+              <a:t>cache</a:t>
+            </a:r>
+            <a:r>
               <a:rPr lang="en-US" sz="2200" b="1" i="1" dirty="0"/>
-              <a:t>cache-disabled : </a:t>
+              <a:t>-disabled : </a:t>
             </a:r>
             <a:r>
               <a:rPr lang="en-US" sz="2200" i="1" dirty="0"/>
@@ -40190,7 +39835,7 @@
         <p:spPr>
           <a:xfrm>
             <a:off x="383940" y="1085237"/>
-            <a:ext cx="10514072" cy="5724645"/>
+            <a:ext cx="10514072" cy="5693867"/>
           </a:xfrm>
           <a:prstGeom prst="rect">
             <a:avLst/>
@@ -40211,8 +39856,6 @@
               <a:rPr lang="fr-FR" sz="2400" b="1" dirty="0" smtClean="0"/>
               <a:t> #1</a:t>
             </a:r>
-          </a:p>
-          <a:p>
             <a:endParaRPr lang="fr-FR" sz="2400" dirty="0" smtClean="0"/>
           </a:p>
           <a:p>
@@ -40221,71 +39864,77 @@
               <a:buChar char="u"/>
             </a:pPr>
             <a:r>
-              <a:rPr lang="fr-FR" sz="2200" b="1" i="1" dirty="0" err="1" smtClean="0"/>
+              <a:rPr lang="fr-FR" b="1" i="1" dirty="0" err="1" smtClean="0"/>
               <a:t>Launch</a:t>
             </a:r>
             <a:r>
-              <a:rPr lang="fr-FR" sz="2200" b="1" i="1" dirty="0" smtClean="0"/>
+              <a:rPr lang="fr-FR" b="1" i="1" dirty="0" smtClean="0"/>
               <a:t> the </a:t>
             </a:r>
             <a:r>
-              <a:rPr lang="fr-FR" sz="2200" b="1" i="1" dirty="0" err="1" smtClean="0"/>
+              <a:rPr lang="fr-FR" b="1" i="1" dirty="0" err="1" smtClean="0"/>
               <a:t>eXo</a:t>
             </a:r>
             <a:r>
-              <a:rPr lang="fr-FR" sz="2200" b="1" i="1" dirty="0" smtClean="0"/>
+              <a:rPr lang="fr-FR" b="1" i="1" dirty="0" smtClean="0"/>
               <a:t> JCR tests </a:t>
             </a:r>
             <a:r>
-              <a:rPr lang="fr-FR" sz="2200" b="1" i="1" dirty="0" err="1" smtClean="0"/>
+              <a:rPr lang="fr-FR" b="1" i="1" dirty="0" err="1" smtClean="0"/>
               <a:t>against</a:t>
             </a:r>
             <a:r>
-              <a:rPr lang="fr-FR" sz="2200" b="1" i="1" dirty="0" smtClean="0"/>
+              <a:rPr lang="fr-FR" b="1" i="1" dirty="0" smtClean="0"/>
               <a:t> </a:t>
             </a:r>
             <a:r>
-              <a:rPr lang="fr-FR" sz="2200" b="1" i="1" dirty="0" err="1" smtClean="0"/>
+              <a:rPr lang="fr-FR" b="1" i="1" dirty="0" err="1" smtClean="0"/>
               <a:t>your</a:t>
             </a:r>
             <a:r>
-              <a:rPr lang="fr-FR" sz="2200" b="1" i="1" dirty="0" smtClean="0"/>
+              <a:rPr lang="fr-FR" b="1" i="1" dirty="0" smtClean="0"/>
               <a:t> favorite DB (</a:t>
             </a:r>
             <a:r>
-              <a:rPr lang="fr-FR" sz="2200" b="1" i="1" dirty="0" err="1" smtClean="0"/>
+              <a:rPr lang="fr-FR" b="1" i="1" dirty="0" err="1" smtClean="0"/>
               <a:t>assuming</a:t>
             </a:r>
             <a:r>
-              <a:rPr lang="fr-FR" sz="2200" b="1" i="1" dirty="0" smtClean="0"/>
+              <a:rPr lang="fr-FR" b="1" i="1" dirty="0" smtClean="0"/>
               <a:t> </a:t>
             </a:r>
             <a:r>
-              <a:rPr lang="fr-FR" sz="2200" b="1" i="1" dirty="0" err="1" smtClean="0"/>
+              <a:rPr lang="fr-FR" b="1" i="1" dirty="0" err="1" smtClean="0"/>
               <a:t>it</a:t>
             </a:r>
             <a:r>
-              <a:rPr lang="fr-FR" sz="2200" b="1" i="1" dirty="0" smtClean="0"/>
+              <a:rPr lang="fr-FR" b="1" i="1" dirty="0" smtClean="0"/>
               <a:t> </a:t>
             </a:r>
             <a:r>
-              <a:rPr lang="fr-FR" sz="2200" b="1" i="1" dirty="0" err="1" smtClean="0"/>
+              <a:rPr lang="fr-FR" b="1" i="1" dirty="0" err="1" smtClean="0"/>
               <a:t>is</a:t>
             </a:r>
             <a:r>
-              <a:rPr lang="fr-FR" sz="2200" b="1" i="1" dirty="0" smtClean="0"/>
+              <a:rPr lang="fr-FR" b="1" i="1" dirty="0" smtClean="0"/>
               <a:t> one of the </a:t>
             </a:r>
             <a:r>
-              <a:rPr lang="fr-FR" sz="2200" b="1" i="1" dirty="0" err="1" smtClean="0"/>
-              <a:t>list</a:t>
-            </a:r>
-            <a:r>
-              <a:rPr lang="fr-FR" sz="2200" b="1" i="1" dirty="0" smtClean="0"/>
+              <a:rPr lang="fr-FR" b="1" i="1" dirty="0" err="1" smtClean="0"/>
+              <a:t>supported</a:t>
+            </a:r>
+            <a:r>
+              <a:rPr lang="fr-FR" b="1" i="1" dirty="0" smtClean="0"/>
+              <a:t> </a:t>
+            </a:r>
+            <a:r>
+              <a:rPr lang="fr-FR" b="1" i="1" dirty="0" err="1" smtClean="0"/>
+              <a:t>database</a:t>
+            </a:r>
+            <a:r>
+              <a:rPr lang="fr-FR" b="1" i="1" dirty="0" smtClean="0"/>
               <a:t>)</a:t>
             </a:r>
-          </a:p>
-          <a:p>
             <a:endParaRPr lang="fr-FR" sz="2400" b="1" dirty="0" smtClean="0"/>
           </a:p>
           <a:p>
@@ -40298,65 +39947,6 @@
               <a:t> #2</a:t>
             </a:r>
             <a:endParaRPr lang="fr-FR" sz="2400" dirty="0"/>
-          </a:p>
-          <a:p>
-            <a:pPr marL="342900" indent="-342900">
-              <a:buFont typeface="Wingdings" charset="2"/>
-              <a:buChar char="u"/>
-            </a:pPr>
-            <a:r>
-              <a:rPr lang="fr-FR" b="1" i="1" dirty="0" smtClean="0"/>
-              <a:t>Use the configuration file of </a:t>
-            </a:r>
-            <a:r>
-              <a:rPr lang="cs-CZ" b="1" i="1" dirty="0" err="1"/>
-              <a:t>tomcat-</a:t>
-            </a:r>
-            <a:r>
-              <a:rPr lang="cs-CZ" b="1" i="1" dirty="0" err="1" smtClean="0"/>
-              <a:t>jbc</a:t>
-            </a:r>
-            <a:r>
-              <a:rPr lang="cs-CZ" b="1" i="1" dirty="0" smtClean="0"/>
-              <a:t> as </a:t>
-            </a:r>
-            <a:r>
-              <a:rPr lang="cs-CZ" b="1" i="1" dirty="0" err="1" smtClean="0"/>
-              <a:t>configuration</a:t>
-            </a:r>
-            <a:r>
-              <a:rPr lang="cs-CZ" b="1" i="1" dirty="0" smtClean="0"/>
-              <a:t> </a:t>
-            </a:r>
-            <a:r>
-              <a:rPr lang="cs-CZ" b="1" i="1" dirty="0" err="1" smtClean="0"/>
-              <a:t>of</a:t>
-            </a:r>
-            <a:r>
-              <a:rPr lang="cs-CZ" b="1" i="1" dirty="0" smtClean="0"/>
-              <a:t> </a:t>
-            </a:r>
-            <a:r>
-              <a:rPr lang="cs-CZ" b="1" i="1" dirty="0" err="1" smtClean="0"/>
-              <a:t>your</a:t>
-            </a:r>
-            <a:r>
-              <a:rPr lang="cs-CZ" b="1" i="1" dirty="0" smtClean="0"/>
-              <a:t> </a:t>
-            </a:r>
-            <a:r>
-              <a:rPr lang="cs-CZ" b="1" i="1" dirty="0" err="1" smtClean="0"/>
-              <a:t>Standalone</a:t>
-            </a:r>
-            <a:r>
-              <a:rPr lang="cs-CZ" b="1" i="1" dirty="0" smtClean="0"/>
-              <a:t> </a:t>
-            </a:r>
-            <a:r>
-              <a:rPr lang="cs-CZ" b="1" i="1" dirty="0" err="1" smtClean="0"/>
-              <a:t>Container</a:t>
-            </a:r>
-            <a:endParaRPr lang="cs-CZ" b="1" i="1" dirty="0" smtClean="0"/>
           </a:p>
           <a:p>
             <a:pPr marL="342900" indent="-342900">
@@ -40527,28 +40117,136 @@
               <a:buChar char="u"/>
             </a:pPr>
             <a:r>
-              <a:rPr lang="fr-FR" b="1" i="1" dirty="0" err="1" smtClean="0"/>
-              <a:t>Create</a:t>
-            </a:r>
-            <a:r>
-              <a:rPr lang="fr-FR" b="1" i="1" dirty="0" smtClean="0"/>
+              <a:rPr lang="fr-FR" b="1" i="1" dirty="0"/>
+              <a:t>Use the configuration file of </a:t>
+            </a:r>
+            <a:r>
+              <a:rPr lang="cs-CZ" b="1" i="1" dirty="0" err="1"/>
+              <a:t>tomcat-jbc</a:t>
+            </a:r>
+            <a:r>
+              <a:rPr lang="cs-CZ" b="1" i="1" dirty="0"/>
+              <a:t> as </a:t>
+            </a:r>
+            <a:r>
+              <a:rPr lang="cs-CZ" b="1" i="1" dirty="0" err="1"/>
+              <a:t>configuration</a:t>
+            </a:r>
+            <a:r>
+              <a:rPr lang="cs-CZ" b="1" i="1" dirty="0"/>
               <a:t> </a:t>
             </a:r>
             <a:r>
-              <a:rPr lang="fr-FR" b="1" i="1" dirty="0"/>
-              <a:t>a </a:t>
-            </a:r>
-            <a:r>
-              <a:rPr lang="fr-FR" b="1" i="1" dirty="0" err="1"/>
-              <a:t>node</a:t>
-            </a:r>
-            <a:r>
-              <a:rPr lang="fr-FR" b="1" i="1" dirty="0"/>
-              <a:t> « training </a:t>
-            </a:r>
-            <a:r>
-              <a:rPr lang="fr-FR" b="1" i="1" dirty="0" smtClean="0"/>
-              <a:t>»</a:t>
+              <a:rPr lang="cs-CZ" b="1" i="1" dirty="0" err="1"/>
+              <a:t>of</a:t>
+            </a:r>
+            <a:r>
+              <a:rPr lang="cs-CZ" b="1" i="1" dirty="0"/>
+              <a:t> </a:t>
+            </a:r>
+            <a:r>
+              <a:rPr lang="cs-CZ" b="1" i="1" dirty="0" err="1"/>
+              <a:t>your</a:t>
+            </a:r>
+            <a:r>
+              <a:rPr lang="cs-CZ" b="1" i="1" dirty="0"/>
+              <a:t> </a:t>
+            </a:r>
+            <a:r>
+              <a:rPr lang="cs-CZ" b="1" i="1" dirty="0" err="1"/>
+              <a:t>Standalone</a:t>
+            </a:r>
+            <a:r>
+              <a:rPr lang="cs-CZ" b="1" i="1" dirty="0"/>
+              <a:t> </a:t>
+            </a:r>
+            <a:r>
+              <a:rPr lang="cs-CZ" b="1" i="1" dirty="0" err="1" smtClean="0"/>
+              <a:t>Container</a:t>
+            </a:r>
+            <a:r>
+              <a:rPr lang="cs-CZ" b="1" i="1" dirty="0" smtClean="0"/>
+              <a:t> (</a:t>
+            </a:r>
+            <a:r>
+              <a:rPr lang="cs-CZ" b="1" i="1" dirty="0" err="1" smtClean="0"/>
+              <a:t>apply</a:t>
+            </a:r>
+            <a:r>
+              <a:rPr lang="cs-CZ" b="1" i="1" dirty="0" smtClean="0"/>
+              <a:t> </a:t>
+            </a:r>
+            <a:r>
+              <a:rPr lang="cs-CZ" b="1" i="1" dirty="0" err="1" smtClean="0"/>
+              <a:t>the</a:t>
+            </a:r>
+            <a:r>
+              <a:rPr lang="cs-CZ" b="1" i="1" dirty="0" smtClean="0"/>
+              <a:t> </a:t>
+            </a:r>
+            <a:r>
+              <a:rPr lang="cs-CZ" b="1" i="1" dirty="0" err="1" smtClean="0"/>
+              <a:t>same</a:t>
+            </a:r>
+            <a:r>
+              <a:rPr lang="cs-CZ" b="1" i="1" dirty="0" smtClean="0"/>
+              <a:t> </a:t>
+            </a:r>
+            <a:r>
+              <a:rPr lang="cs-CZ" b="1" i="1" dirty="0" err="1" smtClean="0"/>
+              <a:t>approach</a:t>
+            </a:r>
+            <a:r>
+              <a:rPr lang="cs-CZ" b="1" i="1" dirty="0" smtClean="0"/>
+              <a:t> </a:t>
+            </a:r>
+            <a:r>
+              <a:rPr lang="cs-CZ" b="1" i="1" dirty="0" err="1" smtClean="0"/>
+              <a:t>than</a:t>
+            </a:r>
+            <a:r>
+              <a:rPr lang="cs-CZ" b="1" i="1" dirty="0" smtClean="0"/>
+              <a:t> </a:t>
+            </a:r>
+            <a:r>
+              <a:rPr lang="cs-CZ" b="1" i="1" dirty="0" err="1" smtClean="0"/>
+              <a:t>the</a:t>
+            </a:r>
+            <a:r>
+              <a:rPr lang="cs-CZ" b="1" i="1" dirty="0" smtClean="0"/>
+              <a:t> </a:t>
+            </a:r>
+            <a:r>
+              <a:rPr lang="cs-CZ" b="1" i="1" dirty="0" err="1" smtClean="0"/>
+              <a:t>jaas.conf</a:t>
+            </a:r>
+            <a:r>
+              <a:rPr lang="cs-CZ" b="1" i="1" dirty="0" smtClean="0"/>
+              <a:t> </a:t>
+            </a:r>
+            <a:r>
+              <a:rPr lang="cs-CZ" b="1" i="1" dirty="0" err="1" smtClean="0"/>
+              <a:t>file</a:t>
+            </a:r>
+            <a:r>
+              <a:rPr lang="cs-CZ" b="1" i="1" dirty="0" smtClean="0"/>
+              <a:t> </a:t>
+            </a:r>
+            <a:r>
+              <a:rPr lang="cs-CZ" b="1" i="1" dirty="0" err="1" smtClean="0"/>
+              <a:t>for</a:t>
+            </a:r>
+            <a:r>
+              <a:rPr lang="cs-CZ" b="1" i="1" dirty="0" smtClean="0"/>
+              <a:t> </a:t>
+            </a:r>
+            <a:r>
+              <a:rPr lang="cs-CZ" b="1" i="1" dirty="0" err="1" smtClean="0"/>
+              <a:t>exo-configuration.xml</a:t>
+            </a:r>
+            <a:r>
+              <a:rPr lang="cs-CZ" b="1" i="1" dirty="0" smtClean="0"/>
+              <a:t>)</a:t>
             </a:r>
           </a:p>
           <a:p>
@@ -40557,90 +40255,62 @@
               <a:buChar char="u"/>
             </a:pPr>
             <a:r>
-              <a:rPr lang="fr-FR" b="1" i="1" dirty="0" err="1" smtClean="0"/>
-              <a:t>Add</a:t>
-            </a:r>
-            <a:r>
-              <a:rPr lang="fr-FR" b="1" i="1" dirty="0" smtClean="0"/>
+              <a:rPr lang="cs-CZ" b="1" i="1" dirty="0" smtClean="0"/>
+              <a:t>Set </a:t>
+            </a:r>
+            <a:r>
+              <a:rPr lang="cs-CZ" b="1" i="1" dirty="0" err="1" smtClean="0"/>
+              <a:t>the</a:t>
+            </a:r>
+            <a:r>
+              <a:rPr lang="cs-CZ" b="1" i="1" dirty="0" smtClean="0"/>
               <a:t> </a:t>
             </a:r>
             <a:r>
-              <a:rPr lang="fr-FR" b="1" i="1" dirty="0"/>
-              <a:t>a </a:t>
-            </a:r>
-            <a:r>
-              <a:rPr lang="fr-FR" b="1" i="1" dirty="0" err="1"/>
-              <a:t>sub</a:t>
-            </a:r>
-            <a:r>
-              <a:rPr lang="fr-FR" b="1" i="1" dirty="0"/>
+              <a:rPr lang="cs-CZ" b="1" i="1" dirty="0" err="1" smtClean="0"/>
+              <a:t>system</a:t>
+            </a:r>
+            <a:r>
+              <a:rPr lang="cs-CZ" b="1" i="1" dirty="0" smtClean="0"/>
               <a:t> </a:t>
             </a:r>
             <a:r>
-              <a:rPr lang="fr-FR" b="1" i="1" dirty="0" err="1"/>
-              <a:t>node</a:t>
-            </a:r>
-            <a:r>
-              <a:rPr lang="fr-FR" b="1" i="1" dirty="0"/>
-              <a:t> « Day</a:t>
-            </a:r>
-            <a:r>
-              <a:rPr lang="fr-FR" b="1" i="1" dirty="0" smtClean="0"/>
-              <a:t>-1</a:t>
-            </a:r>
-            <a:r>
-              <a:rPr lang="fr-FR" b="1" i="1" dirty="0"/>
-              <a:t> » on </a:t>
-            </a:r>
-            <a:r>
-              <a:rPr lang="fr-FR" b="1" i="1" dirty="0" err="1"/>
-              <a:t>which</a:t>
-            </a:r>
-            <a:r>
-              <a:rPr lang="fr-FR" b="1" i="1" dirty="0"/>
+              <a:rPr lang="cs-CZ" b="1" i="1" dirty="0" err="1" smtClean="0"/>
+              <a:t>properties</a:t>
+            </a:r>
+            <a:r>
+              <a:rPr lang="cs-CZ" b="1" i="1" dirty="0" smtClean="0"/>
               <a:t> </a:t>
             </a:r>
             <a:r>
-              <a:rPr lang="fr-FR" b="1" i="1" dirty="0" err="1"/>
-              <a:t>you</a:t>
-            </a:r>
-            <a:r>
-              <a:rPr lang="fr-FR" b="1" i="1" dirty="0"/>
+              <a:rPr lang="cs-CZ" b="1" i="1" dirty="0" err="1" smtClean="0"/>
+              <a:t>of</a:t>
+            </a:r>
+            <a:r>
+              <a:rPr lang="cs-CZ" b="1" i="1" dirty="0" smtClean="0"/>
               <a:t> </a:t>
             </a:r>
             <a:r>
-              <a:rPr lang="fr-FR" b="1" i="1" dirty="0" err="1"/>
-              <a:t>will</a:t>
-            </a:r>
-            <a:r>
-              <a:rPr lang="fr-FR" b="1" i="1" dirty="0"/>
-              <a:t> set a </a:t>
-            </a:r>
-            <a:r>
-              <a:rPr lang="fr-FR" b="1" i="1" dirty="0" err="1"/>
-              <a:t>property</a:t>
-            </a:r>
-            <a:r>
-              <a:rPr lang="fr-FR" b="1" i="1" dirty="0"/>
-              <a:t> « </a:t>
-            </a:r>
-            <a:r>
-              <a:rPr lang="fr-FR" b="1" i="1" dirty="0" err="1"/>
-              <a:t>name</a:t>
-            </a:r>
-            <a:r>
-              <a:rPr lang="fr-FR" b="1" i="1" dirty="0"/>
-              <a:t> » to « </a:t>
-            </a:r>
-            <a:r>
-              <a:rPr lang="en-US" b="1" i="1" dirty="0"/>
-              <a:t>JCR concepts, architecture and benefits</a:t>
-            </a:r>
-            <a:r>
-              <a:rPr lang="fr-FR" b="1" i="1" dirty="0"/>
-              <a:t> »</a:t>
-            </a:r>
-            <a:endParaRPr lang="fr-FR" b="1" i="1" dirty="0" smtClean="0"/>
+              <a:rPr lang="cs-CZ" b="1" i="1" dirty="0" err="1" smtClean="0"/>
+              <a:t>the</a:t>
+            </a:r>
+            <a:r>
+              <a:rPr lang="cs-CZ" b="1" i="1" dirty="0" smtClean="0"/>
+              <a:t> </a:t>
+            </a:r>
+            <a:r>
+              <a:rPr lang="cs-CZ" b="1" i="1" dirty="0" err="1" smtClean="0"/>
+              <a:t>startup</a:t>
+            </a:r>
+            <a:r>
+              <a:rPr lang="cs-CZ" b="1" i="1" dirty="0" smtClean="0"/>
+              <a:t> </a:t>
+            </a:r>
+            <a:r>
+              <a:rPr lang="cs-CZ" b="1" i="1" dirty="0" err="1" smtClean="0"/>
+              <a:t>script</a:t>
+            </a:r>
+            <a:endParaRPr lang="cs-CZ" b="1" i="1" dirty="0" smtClean="0"/>
           </a:p>
           <a:p>
             <a:pPr marL="342900" indent="-342900">
@@ -40648,97 +40318,66 @@
               <a:buChar char="u"/>
             </a:pPr>
             <a:r>
-              <a:rPr lang="fr-FR" b="1" i="1" dirty="0" err="1" smtClean="0"/>
-              <a:t>Add</a:t>
-            </a:r>
-            <a:r>
-              <a:rPr lang="fr-FR" b="1" i="1" dirty="0" smtClean="0"/>
+              <a:rPr lang="cs-CZ" b="1" i="1" dirty="0" err="1" smtClean="0"/>
+              <a:t>Needed</a:t>
+            </a:r>
+            <a:r>
+              <a:rPr lang="cs-CZ" b="1" i="1" dirty="0" smtClean="0"/>
               <a:t> </a:t>
             </a:r>
             <a:r>
-              <a:rPr lang="fr-FR" b="1" i="1" dirty="0" err="1" smtClean="0"/>
-              <a:t>another</a:t>
-            </a:r>
-            <a:r>
-              <a:rPr lang="fr-FR" b="1" i="1" dirty="0" smtClean="0"/>
-              <a:t> </a:t>
-            </a:r>
-            <a:r>
-              <a:rPr lang="fr-FR" b="1" i="1" dirty="0" err="1" smtClean="0"/>
-              <a:t>sub</a:t>
-            </a:r>
-            <a:r>
-              <a:rPr lang="fr-FR" b="1" i="1" dirty="0" smtClean="0"/>
-              <a:t> </a:t>
-            </a:r>
-            <a:r>
-              <a:rPr lang="fr-FR" b="1" i="1" dirty="0" err="1" smtClean="0"/>
-              <a:t>node</a:t>
-            </a:r>
-            <a:r>
-              <a:rPr lang="fr-FR" b="1" i="1" dirty="0" smtClean="0"/>
-              <a:t> « Day-2 » on </a:t>
-            </a:r>
-            <a:r>
-              <a:rPr lang="fr-FR" b="1" i="1" dirty="0" err="1" smtClean="0"/>
-              <a:t>which</a:t>
-            </a:r>
-            <a:r>
-              <a:rPr lang="fr-FR" b="1" i="1" dirty="0" smtClean="0"/>
-              <a:t> </a:t>
-            </a:r>
-            <a:r>
-              <a:rPr lang="fr-FR" b="1" i="1" dirty="0" err="1" smtClean="0"/>
-              <a:t>you</a:t>
-            </a:r>
-            <a:r>
-              <a:rPr lang="fr-FR" b="1" i="1" dirty="0" smtClean="0"/>
-              <a:t> </a:t>
-            </a:r>
-            <a:r>
-              <a:rPr lang="fr-FR" b="1" i="1" dirty="0" err="1" smtClean="0"/>
-              <a:t>will</a:t>
-            </a:r>
-            <a:r>
-              <a:rPr lang="fr-FR" b="1" i="1" dirty="0" smtClean="0"/>
-              <a:t> set a </a:t>
-            </a:r>
-            <a:r>
-              <a:rPr lang="fr-FR" b="1" i="1" dirty="0" err="1" smtClean="0"/>
-              <a:t>property</a:t>
-            </a:r>
-            <a:r>
-              <a:rPr lang="fr-FR" b="1" i="1" dirty="0" smtClean="0"/>
-              <a:t> « </a:t>
-            </a:r>
-            <a:r>
-              <a:rPr lang="fr-FR" b="1" i="1" dirty="0" err="1" smtClean="0"/>
-              <a:t>name</a:t>
-            </a:r>
-            <a:r>
-              <a:rPr lang="fr-FR" b="1" i="1" dirty="0" smtClean="0"/>
-              <a:t> » to « </a:t>
-            </a:r>
-            <a:r>
-              <a:rPr lang="en-US" b="1" i="1" dirty="0" smtClean="0"/>
-              <a:t>JCR </a:t>
-            </a:r>
-            <a:r>
-              <a:rPr lang="en-US" b="1" i="1" dirty="0"/>
-              <a:t>for </a:t>
-            </a:r>
-            <a:r>
-              <a:rPr lang="en-US" b="1" i="1" dirty="0" smtClean="0"/>
-              <a:t>developers</a:t>
+              <a:rPr lang="cs-CZ" b="1" i="1" dirty="0" err="1" smtClean="0"/>
+              <a:t>dependencies</a:t>
+            </a:r>
+            <a:r>
+              <a:rPr lang="cs-CZ" b="1" i="1" dirty="0" smtClean="0"/>
+              <a:t> are </a:t>
+            </a:r>
+            <a:r>
+              <a:rPr lang="cs-CZ" b="1" i="1" dirty="0" err="1" smtClean="0"/>
+              <a:t>jcr.core</a:t>
+            </a:r>
+            <a:r>
+              <a:rPr lang="cs-CZ" b="1" i="1" dirty="0" smtClean="0"/>
+              <a:t>, </a:t>
+            </a:r>
+            <a:r>
+              <a:rPr lang="cs-CZ" b="1" i="1" dirty="0" err="1" smtClean="0"/>
+              <a:t>jcr.ext</a:t>
+            </a:r>
+            <a:r>
+              <a:rPr lang="cs-CZ" b="1" i="1" dirty="0" smtClean="0"/>
+              <a:t>, </a:t>
+            </a:r>
+            <a:r>
+              <a:rPr lang="cs-CZ" b="1" i="1" dirty="0" err="1" smtClean="0"/>
+              <a:t>jcr.webdav</a:t>
+            </a:r>
+            <a:r>
+              <a:rPr lang="cs-CZ" b="1" i="1" dirty="0" smtClean="0"/>
+              <a:t>, </a:t>
+            </a:r>
+            <a:r>
+              <a:rPr lang="cs-CZ" b="1" i="1" dirty="0" err="1" smtClean="0"/>
+              <a:t>jcr.ftp</a:t>
+            </a:r>
+            <a:r>
+              <a:rPr lang="cs-CZ" b="1" i="1" dirty="0" smtClean="0"/>
+              <a:t>, </a:t>
+            </a:r>
+            <a:r>
+              <a:rPr lang="cs-CZ" b="1" i="1" dirty="0" err="1" smtClean="0"/>
+              <a:t>hsqldb</a:t>
+            </a:r>
+            <a:r>
+              <a:rPr lang="cs-CZ" b="1" i="1" dirty="0" smtClean="0"/>
+              <a:t> and </a:t>
             </a:r>
             <a:r>
               <a:rPr lang="fr-FR" b="1" i="1" dirty="0"/>
-              <a:t> </a:t>
-            </a:r>
-            <a:r>
-              <a:rPr lang="fr-FR" b="1" i="1" dirty="0" smtClean="0"/>
-              <a:t>»</a:t>
-            </a:r>
+              <a:t>slf4j-log4j12</a:t>
+            </a:r>
+            <a:endParaRPr lang="cs-CZ" b="1" i="1" dirty="0"/>
           </a:p>
           <a:p>
             <a:pPr marL="342900" indent="-342900">
@@ -40747,18 +40386,237 @@
             </a:pPr>
             <a:r>
               <a:rPr lang="fr-FR" b="1" i="1" dirty="0" err="1" smtClean="0"/>
-              <a:t>From</a:t>
+              <a:t>Create</a:t>
             </a:r>
             <a:r>
               <a:rPr lang="fr-FR" b="1" i="1" dirty="0" smtClean="0"/>
               <a:t> </a:t>
             </a:r>
             <a:r>
+              <a:rPr lang="fr-FR" b="1" i="1" dirty="0"/>
+              <a:t>a </a:t>
+            </a:r>
+            <a:r>
+              <a:rPr lang="fr-FR" b="1" i="1" dirty="0" err="1"/>
+              <a:t>node</a:t>
+            </a:r>
+            <a:r>
+              <a:rPr lang="fr-FR" b="1" i="1" dirty="0"/>
+              <a:t> « training </a:t>
+            </a:r>
+            <a:r>
+              <a:rPr lang="fr-FR" b="1" i="1" dirty="0" smtClean="0"/>
+              <a:t>»</a:t>
+            </a:r>
+          </a:p>
+          <a:p>
+            <a:pPr marL="342900" indent="-342900">
+              <a:buFont typeface="Wingdings" charset="2"/>
+              <a:buChar char="u"/>
+            </a:pPr>
+            <a:r>
+              <a:rPr lang="fr-FR" b="1" i="1" dirty="0" err="1" smtClean="0"/>
+              <a:t>Add</a:t>
+            </a:r>
+            <a:r>
+              <a:rPr lang="fr-FR" b="1" i="1" dirty="0" smtClean="0"/>
+              <a:t> </a:t>
+            </a:r>
+            <a:r>
+              <a:rPr lang="fr-FR" b="1" i="1" dirty="0"/>
+              <a:t>a </a:t>
+            </a:r>
+            <a:r>
+              <a:rPr lang="fr-FR" b="1" i="1" dirty="0" err="1"/>
+              <a:t>sub</a:t>
+            </a:r>
+            <a:r>
+              <a:rPr lang="fr-FR" b="1" i="1" dirty="0"/>
+              <a:t> </a:t>
+            </a:r>
+            <a:r>
+              <a:rPr lang="fr-FR" b="1" i="1" dirty="0" err="1"/>
+              <a:t>node</a:t>
+            </a:r>
+            <a:r>
+              <a:rPr lang="fr-FR" b="1" i="1" dirty="0"/>
+              <a:t> « Day</a:t>
+            </a:r>
+            <a:r>
+              <a:rPr lang="fr-FR" b="1" i="1" dirty="0" smtClean="0"/>
+              <a:t>-1</a:t>
+            </a:r>
+            <a:r>
+              <a:rPr lang="fr-FR" b="1" i="1" dirty="0"/>
+              <a:t> » on </a:t>
+            </a:r>
+            <a:r>
+              <a:rPr lang="fr-FR" b="1" i="1" dirty="0" err="1"/>
+              <a:t>which</a:t>
+            </a:r>
+            <a:r>
+              <a:rPr lang="fr-FR" b="1" i="1" dirty="0"/>
+              <a:t> </a:t>
+            </a:r>
+            <a:r>
+              <a:rPr lang="fr-FR" b="1" i="1" dirty="0" err="1"/>
+              <a:t>you</a:t>
+            </a:r>
+            <a:r>
+              <a:rPr lang="fr-FR" b="1" i="1" dirty="0"/>
+              <a:t> </a:t>
+            </a:r>
+            <a:r>
+              <a:rPr lang="fr-FR" b="1" i="1" dirty="0" err="1"/>
+              <a:t>will</a:t>
+            </a:r>
+            <a:r>
+              <a:rPr lang="fr-FR" b="1" i="1" dirty="0"/>
+              <a:t> set a </a:t>
+            </a:r>
+            <a:r>
+              <a:rPr lang="fr-FR" b="1" i="1" dirty="0" err="1"/>
+              <a:t>property</a:t>
+            </a:r>
+            <a:r>
+              <a:rPr lang="fr-FR" b="1" i="1" dirty="0"/>
+              <a:t> « </a:t>
+            </a:r>
+            <a:r>
+              <a:rPr lang="fr-FR" b="1" i="1" dirty="0" err="1"/>
+              <a:t>name</a:t>
+            </a:r>
+            <a:r>
+              <a:rPr lang="fr-FR" b="1" i="1" dirty="0"/>
+              <a:t> » to « </a:t>
+            </a:r>
+            <a:r>
+              <a:rPr lang="en-US" b="1" i="1" dirty="0"/>
+              <a:t>JCR concepts, architecture and benefits</a:t>
+            </a:r>
+            <a:r>
+              <a:rPr lang="fr-FR" b="1" i="1" dirty="0"/>
+              <a:t> »</a:t>
+            </a:r>
+            <a:endParaRPr lang="fr-FR" b="1" i="1" dirty="0" smtClean="0"/>
+          </a:p>
+          <a:p>
+            <a:pPr marL="342900" indent="-342900">
+              <a:buFont typeface="Wingdings" charset="2"/>
+              <a:buChar char="u"/>
+            </a:pPr>
+            <a:r>
+              <a:rPr lang="fr-FR" b="1" i="1" dirty="0" err="1" smtClean="0"/>
+              <a:t>Add</a:t>
+            </a:r>
+            <a:r>
+              <a:rPr lang="fr-FR" b="1" i="1" dirty="0" smtClean="0"/>
+              <a:t> </a:t>
+            </a:r>
+            <a:r>
               <a:rPr lang="fr-FR" b="1" i="1" dirty="0" err="1" smtClean="0"/>
               <a:t>another</a:t>
             </a:r>
             <a:r>
               <a:rPr lang="fr-FR" b="1" i="1" dirty="0" smtClean="0"/>
+              <a:t> </a:t>
+            </a:r>
+            <a:r>
+              <a:rPr lang="fr-FR" b="1" i="1" dirty="0" err="1" smtClean="0"/>
+              <a:t>sub</a:t>
+            </a:r>
+            <a:r>
+              <a:rPr lang="fr-FR" b="1" i="1" dirty="0" smtClean="0"/>
+              <a:t> </a:t>
+            </a:r>
+            <a:r>
+              <a:rPr lang="fr-FR" b="1" i="1" dirty="0" err="1" smtClean="0"/>
+              <a:t>node</a:t>
+            </a:r>
+            <a:r>
+              <a:rPr lang="fr-FR" b="1" i="1" dirty="0" smtClean="0"/>
+              <a:t> « Day-2 » on </a:t>
+            </a:r>
+            <a:r>
+              <a:rPr lang="fr-FR" b="1" i="1" dirty="0" err="1" smtClean="0"/>
+              <a:t>which</a:t>
+            </a:r>
+            <a:r>
+              <a:rPr lang="fr-FR" b="1" i="1" dirty="0" smtClean="0"/>
+              <a:t> </a:t>
+            </a:r>
+            <a:r>
+              <a:rPr lang="fr-FR" b="1" i="1" dirty="0" err="1" smtClean="0"/>
+              <a:t>you</a:t>
+            </a:r>
+            <a:r>
+              <a:rPr lang="fr-FR" b="1" i="1" dirty="0" smtClean="0"/>
+              <a:t> </a:t>
+            </a:r>
+            <a:r>
+              <a:rPr lang="fr-FR" b="1" i="1" dirty="0" err="1" smtClean="0"/>
+              <a:t>will</a:t>
+            </a:r>
+            <a:r>
+              <a:rPr lang="fr-FR" b="1" i="1" dirty="0" smtClean="0"/>
+              <a:t> set a </a:t>
+            </a:r>
+            <a:r>
+              <a:rPr lang="fr-FR" b="1" i="1" dirty="0" err="1" smtClean="0"/>
+              <a:t>property</a:t>
+            </a:r>
+            <a:r>
+              <a:rPr lang="fr-FR" b="1" i="1" dirty="0" smtClean="0"/>
+              <a:t> « </a:t>
+            </a:r>
+            <a:r>
+              <a:rPr lang="fr-FR" b="1" i="1" dirty="0" err="1" smtClean="0"/>
+              <a:t>name</a:t>
+            </a:r>
+            <a:r>
+              <a:rPr lang="fr-FR" b="1" i="1" dirty="0" smtClean="0"/>
+              <a:t> » to « </a:t>
+            </a:r>
+            <a:r>
+              <a:rPr lang="en-US" b="1" i="1" dirty="0" smtClean="0"/>
+              <a:t>JCR </a:t>
+            </a:r>
+            <a:r>
+              <a:rPr lang="en-US" b="1" i="1" dirty="0"/>
+              <a:t>for </a:t>
+            </a:r>
+            <a:r>
+              <a:rPr lang="en-US" b="1" i="1" dirty="0" smtClean="0"/>
+              <a:t>developers</a:t>
+            </a:r>
+            <a:r>
+              <a:rPr lang="fr-FR" b="1" i="1" dirty="0"/>
+              <a:t> </a:t>
+            </a:r>
+            <a:r>
+              <a:rPr lang="fr-FR" b="1" i="1" dirty="0" smtClean="0"/>
+              <a:t>»</a:t>
+            </a:r>
+          </a:p>
+          <a:p>
+            <a:pPr marL="342900" indent="-342900">
+              <a:buFont typeface="Wingdings" charset="2"/>
+              <a:buChar char="u"/>
+            </a:pPr>
+            <a:r>
+              <a:rPr lang="fr-FR" b="1" i="1" dirty="0" err="1" smtClean="0"/>
+              <a:t>From</a:t>
+            </a:r>
+            <a:r>
+              <a:rPr lang="fr-FR" b="1" i="1" dirty="0" smtClean="0"/>
+              <a:t> </a:t>
+            </a:r>
+            <a:r>
+              <a:rPr lang="fr-FR" b="1" i="1" dirty="0" err="1" smtClean="0"/>
+              <a:t>another</a:t>
+            </a:r>
+            <a:r>
+              <a:rPr lang="fr-FR" b="1" i="1" dirty="0" smtClean="0"/>
               <a:t> session, </a:t>
             </a:r>
             <a:r>
@@ -40774,12 +40632,8 @@
               <a:t>name</a:t>
             </a:r>
             <a:r>
-              <a:rPr lang="fr-FR" b="1" i="1" smtClean="0"/>
-              <a:t> of all </a:t>
-            </a:r>
-            <a:r>
               <a:rPr lang="fr-FR" b="1" i="1" dirty="0" smtClean="0"/>
-              <a:t>the training </a:t>
+              <a:t> of all the training </a:t>
             </a:r>
             <a:r>
               <a:rPr lang="fr-FR" b="1" i="1" dirty="0" err="1" smtClean="0"/>
@@ -42226,119 +42080,14 @@
               <a:buSzPct val="25000"/>
             </a:pPr>
             <a:r>
-              <a:rPr lang="pt-BR" sz="1400" b="1" dirty="0" err="1">
-                <a:latin typeface="Monaco"/>
-                <a:cs typeface="Monaco"/>
-              </a:rPr>
-              <a:t>package</a:t>
-            </a:r>
-            <a:r>
-              <a:rPr lang="pt-BR" sz="1400" b="1" dirty="0">
-                <a:latin typeface="Monaco"/>
-                <a:cs typeface="Monaco"/>
-              </a:rPr>
-              <a:t> </a:t>
-            </a:r>
-            <a:r>
-              <a:rPr lang="pt-BR" sz="1400" b="1" dirty="0" err="1">
-                <a:latin typeface="Monaco"/>
-                <a:cs typeface="Monaco"/>
-              </a:rPr>
-              <a:t>org.exoplatform.portal.config</a:t>
-            </a:r>
-            <a:r>
-              <a:rPr lang="pt-BR" sz="1400" b="1" dirty="0">
-                <a:latin typeface="Monaco"/>
-                <a:cs typeface="Monaco"/>
-              </a:rPr>
-              <a:t>;</a:t>
-            </a:r>
-          </a:p>
-          <a:p>
-            <a:pPr>
-              <a:lnSpc>
-                <a:spcPct val="100000"/>
-              </a:lnSpc>
-              <a:buSzPct val="25000"/>
-            </a:pPr>
-            <a:r>
-              <a:rPr lang="pt-BR" sz="1400" b="1" dirty="0" err="1">
+              <a:rPr lang="pt-BR" sz="1400" b="1" dirty="0" err="1" smtClean="0">
                 <a:latin typeface="Monaco"/>
                 <a:cs typeface="Monaco"/>
               </a:rPr>
               <a:t>public</a:t>
             </a:r>
             <a:r>
-              <a:rPr lang="pt-BR" sz="1400" b="1" dirty="0">
-                <a:latin typeface="Monaco"/>
-                <a:cs typeface="Monaco"/>
-              </a:rPr>
-              <a:t> </a:t>
-            </a:r>
-            <a:r>
-              <a:rPr lang="pt-BR" sz="1400" b="1" dirty="0" err="1">
-                <a:latin typeface="Monaco"/>
-                <a:cs typeface="Monaco"/>
-              </a:rPr>
-              <a:t>class</a:t>
-            </a:r>
-            <a:r>
-              <a:rPr lang="pt-BR" sz="1400" b="1" dirty="0">
-                <a:latin typeface="Monaco"/>
-                <a:cs typeface="Monaco"/>
-              </a:rPr>
-              <a:t> </a:t>
-            </a:r>
-            <a:r>
-              <a:rPr lang="pt-BR" sz="1400" b="1" dirty="0" err="1">
-                <a:latin typeface="Monaco"/>
-                <a:cs typeface="Monaco"/>
-              </a:rPr>
-              <a:t>UserACL</a:t>
-            </a:r>
-            <a:r>
-              <a:rPr lang="pt-BR" sz="1400" b="1" dirty="0">
-                <a:latin typeface="Monaco"/>
-                <a:cs typeface="Monaco"/>
-              </a:rPr>
-              <a:t> {</a:t>
-            </a:r>
-          </a:p>
-          <a:p>
-            <a:pPr>
-              <a:lnSpc>
-                <a:spcPct val="100000"/>
-              </a:lnSpc>
-              <a:buSzPct val="25000"/>
-            </a:pPr>
-            <a:endParaRPr lang="pt-BR" sz="1400" b="1" dirty="0">
-              <a:latin typeface="Monaco"/>
-              <a:cs typeface="Monaco"/>
-            </a:endParaRPr>
-          </a:p>
-          <a:p>
-            <a:pPr>
-              <a:lnSpc>
-                <a:spcPct val="100000"/>
-              </a:lnSpc>
-              <a:buSzPct val="25000"/>
-            </a:pPr>
-            <a:r>
-              <a:rPr lang="pt-BR" sz="1400" b="1" dirty="0">
-                <a:latin typeface="Monaco"/>
-                <a:cs typeface="Monaco"/>
-              </a:rPr>
-              <a:t>  </a:t>
-            </a:r>
-            <a:r>
-              <a:rPr lang="pt-BR" sz="1400" b="1" dirty="0" err="1">
-                <a:latin typeface="Monaco"/>
-                <a:cs typeface="Monaco"/>
-              </a:rPr>
-              <a:t>public</a:t>
-            </a:r>
-            <a:r>
-              <a:rPr lang="pt-BR" sz="1400" b="1" dirty="0">
+              <a:rPr lang="pt-BR" sz="1400" b="1" dirty="0" smtClean="0">
                 <a:latin typeface="Monaco"/>
                 <a:cs typeface="Monaco"/>
               </a:rPr>
